--- a/Knockout.pptx
+++ b/Knockout.pptx
@@ -5,29 +5,30 @@
     <p:sldMasterId id="2147483648" r:id="rId1"/>
   </p:sldMasterIdLst>
   <p:notesMasterIdLst>
-    <p:notesMasterId r:id="rId22"/>
+    <p:notesMasterId r:id="rId23"/>
   </p:notesMasterIdLst>
   <p:sldIdLst>
     <p:sldId id="261" r:id="rId2"/>
     <p:sldId id="266" r:id="rId3"/>
-    <p:sldId id="296" r:id="rId4"/>
-    <p:sldId id="297" r:id="rId5"/>
-    <p:sldId id="265" r:id="rId6"/>
-    <p:sldId id="298" r:id="rId7"/>
-    <p:sldId id="301" r:id="rId8"/>
-    <p:sldId id="299" r:id="rId9"/>
-    <p:sldId id="302" r:id="rId10"/>
-    <p:sldId id="300" r:id="rId11"/>
-    <p:sldId id="303" r:id="rId12"/>
-    <p:sldId id="279" r:id="rId13"/>
-    <p:sldId id="306" r:id="rId14"/>
-    <p:sldId id="305" r:id="rId15"/>
-    <p:sldId id="307" r:id="rId16"/>
-    <p:sldId id="308" r:id="rId17"/>
-    <p:sldId id="295" r:id="rId18"/>
-    <p:sldId id="274" r:id="rId19"/>
-    <p:sldId id="304" r:id="rId20"/>
-    <p:sldId id="285" r:id="rId21"/>
+    <p:sldId id="309" r:id="rId4"/>
+    <p:sldId id="296" r:id="rId5"/>
+    <p:sldId id="297" r:id="rId6"/>
+    <p:sldId id="265" r:id="rId7"/>
+    <p:sldId id="298" r:id="rId8"/>
+    <p:sldId id="301" r:id="rId9"/>
+    <p:sldId id="299" r:id="rId10"/>
+    <p:sldId id="302" r:id="rId11"/>
+    <p:sldId id="300" r:id="rId12"/>
+    <p:sldId id="303" r:id="rId13"/>
+    <p:sldId id="279" r:id="rId14"/>
+    <p:sldId id="306" r:id="rId15"/>
+    <p:sldId id="305" r:id="rId16"/>
+    <p:sldId id="307" r:id="rId17"/>
+    <p:sldId id="308" r:id="rId18"/>
+    <p:sldId id="295" r:id="rId19"/>
+    <p:sldId id="274" r:id="rId20"/>
+    <p:sldId id="304" r:id="rId21"/>
+    <p:sldId id="285" r:id="rId22"/>
   </p:sldIdLst>
   <p:sldSz cx="9144000" cy="6858000" type="screen4x3"/>
   <p:notesSz cx="6858000" cy="9144000"/>
@@ -133,6 +134,7 @@
           <p14:sldIdLst>
             <p14:sldId id="261"/>
             <p14:sldId id="266"/>
+            <p14:sldId id="309"/>
             <p14:sldId id="296"/>
             <p14:sldId id="297"/>
             <p14:sldId id="265"/>
@@ -10225,12 +10227,8 @@
           <a:lstStyle/>
           <a:p>
             <a:r>
-              <a:rPr lang="en-US" dirty="0" err="1" smtClean="0"/>
-              <a:t>defered</a:t>
-            </a:r>
-            <a:r>
               <a:rPr lang="en-US" dirty="0" smtClean="0"/>
-              <a:t> </a:t>
+              <a:t>read/write </a:t>
             </a:r>
             <a:r>
               <a:rPr lang="en-US" dirty="0" err="1" smtClean="0"/>
@@ -10261,29 +10259,30 @@
               <a:buNone/>
             </a:pPr>
             <a:r>
-              <a:rPr lang="en-US" sz="2400" dirty="0" err="1"/>
-              <a:t>viewModel.total</a:t>
-            </a:r>
-            <a:r>
-              <a:rPr lang="en-US" sz="2400" dirty="0"/>
-              <a:t> = </a:t>
-            </a:r>
-            <a:r>
-              <a:rPr lang="en-US" sz="2400" dirty="0" err="1"/>
-              <a:t>ko.dependentObservable</a:t>
-            </a:r>
-            <a:r>
-              <a:rPr lang="en-US" sz="2400" dirty="0"/>
-              <a:t>({</a:t>
-            </a:r>
+              <a:rPr lang="en-US" dirty="0" smtClean="0"/>
+              <a:t>viewModel.name </a:t>
+            </a:r>
+            <a:r>
+              <a:rPr lang="en-US" dirty="0"/>
+              <a:t>= </a:t>
+            </a:r>
+            <a:endParaRPr lang="en-US" dirty="0" smtClean="0"/>
           </a:p>
           <a:p>
             <a:pPr marL="0" indent="0">
               <a:buNone/>
             </a:pPr>
             <a:r>
-              <a:rPr lang="en-US" sz="2400" dirty="0"/>
-              <a:t>    read: function() {</a:t>
+              <a:rPr lang="en-US" dirty="0" smtClean="0"/>
+              <a:t>	</a:t>
+            </a:r>
+            <a:r>
+              <a:rPr lang="en-US" dirty="0" err="1" smtClean="0"/>
+              <a:t>ko.dependentObservable</a:t>
+            </a:r>
+            <a:r>
+              <a:rPr lang="en-US" dirty="0"/>
+              <a:t>({</a:t>
             </a:r>
           </a:p>
           <a:p>
@@ -10291,33 +10290,26 @@
               <a:buNone/>
             </a:pPr>
             <a:r>
-              <a:rPr lang="en-US" sz="2400" dirty="0"/>
-              <a:t>       </a:t>
-            </a:r>
-            <a:r>
-              <a:rPr lang="en-US" sz="2400" dirty="0" err="1"/>
-              <a:t>var</a:t>
-            </a:r>
-            <a:r>
-              <a:rPr lang="en-US" sz="2400" dirty="0"/>
-              <a:t> result = 0;</a:t>
-            </a:r>
+              <a:rPr lang="en-US" dirty="0" smtClean="0"/>
+              <a:t>	    </a:t>
+            </a:r>
+            <a:r>
+              <a:rPr lang="en-US" dirty="0"/>
+              <a:t>read: function() </a:t>
+            </a:r>
+            <a:r>
+              <a:rPr lang="en-US" dirty="0" smtClean="0"/>
+              <a:t>{},</a:t>
+            </a:r>
+            <a:endParaRPr lang="en-US" dirty="0"/>
           </a:p>
           <a:p>
             <a:pPr marL="0" indent="0">
               <a:buNone/>
             </a:pPr>
             <a:r>
-              <a:rPr lang="en-US" sz="2400" dirty="0"/>
-              <a:t>        </a:t>
-            </a:r>
-            <a:r>
-              <a:rPr lang="en-US" sz="2400" dirty="0" err="1"/>
-              <a:t>ko.utils.arrayForEach</a:t>
-            </a:r>
-            <a:r>
-              <a:rPr lang="en-US" sz="2400" dirty="0" smtClean="0"/>
-              <a:t>(</a:t>
+              <a:rPr lang="en-US" dirty="0" smtClean="0"/>
+              <a:t>	    write: function(){},</a:t>
             </a:r>
           </a:p>
           <a:p>
@@ -10325,153 +10317,46 @@
               <a:buNone/>
             </a:pPr>
             <a:r>
-              <a:rPr lang="en-US" sz="2400" dirty="0"/>
-              <a:t>	</a:t>
-            </a:r>
-            <a:r>
-              <a:rPr lang="en-US" sz="2400" dirty="0" err="1" smtClean="0"/>
-              <a:t>viewModel.items</a:t>
-            </a:r>
-            <a:r>
-              <a:rPr lang="en-US" sz="2400" dirty="0" smtClean="0"/>
-              <a:t>(),</a:t>
-            </a:r>
+              <a:rPr lang="en-US" dirty="0"/>
+              <a:t>	 </a:t>
+            </a:r>
+            <a:r>
+              <a:rPr lang="en-US" dirty="0" smtClean="0"/>
+              <a:t>   owner: this</a:t>
+            </a:r>
+            <a:endParaRPr lang="en-US" dirty="0"/>
           </a:p>
           <a:p>
             <a:pPr marL="0" indent="0">
               <a:buNone/>
             </a:pPr>
             <a:r>
-              <a:rPr lang="en-US" sz="2400" dirty="0"/>
-              <a:t>	</a:t>
-            </a:r>
-            <a:r>
-              <a:rPr lang="en-US" sz="2400" dirty="0" smtClean="0"/>
-              <a:t>function(item</a:t>
-            </a:r>
-            <a:r>
-              <a:rPr lang="en-US" sz="2400" dirty="0"/>
-              <a:t>) {</a:t>
+              <a:rPr lang="en-US" dirty="0" smtClean="0"/>
+              <a:t>	});</a:t>
             </a:r>
           </a:p>
           <a:p>
             <a:pPr marL="0" indent="0">
               <a:buNone/>
             </a:pPr>
-            <a:r>
-              <a:rPr lang="en-US" sz="2400" dirty="0" smtClean="0"/>
-              <a:t>		result </a:t>
-            </a:r>
-            <a:r>
-              <a:rPr lang="en-US" sz="2400" dirty="0"/>
-              <a:t>+= </a:t>
-            </a:r>
-            <a:r>
-              <a:rPr lang="en-US" sz="2400" dirty="0" err="1"/>
-              <a:t>item.amount</a:t>
-            </a:r>
-            <a:r>
-              <a:rPr lang="en-US" sz="2400" dirty="0"/>
-              <a:t>(); </a:t>
-            </a:r>
+            <a:endParaRPr lang="en-US" dirty="0" smtClean="0"/>
           </a:p>
           <a:p>
             <a:pPr marL="0" indent="0">
               <a:buNone/>
             </a:pPr>
             <a:r>
-              <a:rPr lang="en-US" sz="2400" dirty="0" smtClean="0"/>
-              <a:t>	});</a:t>
-            </a:r>
-            <a:endParaRPr lang="en-US" sz="2400" dirty="0"/>
-          </a:p>
-          <a:p>
-            <a:pPr marL="0" indent="0">
-              <a:buNone/>
-            </a:pPr>
-            <a:r>
-              <a:rPr lang="en-US" sz="2400" dirty="0"/>
-              <a:t>    },</a:t>
-            </a:r>
-          </a:p>
-          <a:p>
-            <a:pPr marL="0" indent="0">
-              <a:buNone/>
-            </a:pPr>
-            <a:r>
-              <a:rPr lang="en-US" sz="2400" dirty="0"/>
-              <a:t>    </a:t>
-            </a:r>
-            <a:r>
-              <a:rPr lang="en-US" sz="2400" dirty="0" err="1"/>
-              <a:t>deferEvaluation</a:t>
-            </a:r>
-            <a:r>
-              <a:rPr lang="en-US" sz="2400" dirty="0"/>
-              <a:t>: true  //don't evaluate </a:t>
-            </a:r>
-            <a:r>
-              <a:rPr lang="en-US" sz="2400" dirty="0" smtClean="0"/>
-              <a:t>until requested</a:t>
-            </a:r>
-          </a:p>
-          <a:p>
-            <a:pPr marL="0" indent="0">
-              <a:buNone/>
-            </a:pPr>
-            <a:r>
-              <a:rPr lang="en-US" sz="2400" dirty="0" smtClean="0"/>
-              <a:t>}, </a:t>
-            </a:r>
-            <a:r>
-              <a:rPr lang="en-US" sz="2400" dirty="0" err="1"/>
-              <a:t>viewModel</a:t>
-            </a:r>
-            <a:r>
-              <a:rPr lang="en-US" sz="2400" dirty="0"/>
-              <a:t>);</a:t>
-            </a:r>
-          </a:p>
-        </p:txBody>
-      </p:sp>
-      <p:sp>
-        <p:nvSpPr>
-          <p:cNvPr id="4" name="Rectangle 3"/>
-          <p:cNvSpPr/>
-          <p:nvPr/>
-        </p:nvSpPr>
-        <p:spPr>
-          <a:xfrm>
-            <a:off x="304800" y="6412468"/>
-            <a:ext cx="8610600" cy="369332"/>
-          </a:xfrm>
-          <a:prstGeom prst="rect">
-            <a:avLst/>
-          </a:prstGeom>
-        </p:spPr>
-        <p:txBody>
-          <a:bodyPr wrap="square">
-            <a:spAutoFit/>
-          </a:bodyPr>
-          <a:lstStyle/>
-          <a:p>
-            <a:r>
-              <a:rPr lang="en-US" dirty="0">
-                <a:solidFill>
-                  <a:schemeClr val="bg1">
-                    <a:lumMod val="65000"/>
-                  </a:schemeClr>
-                </a:solidFill>
-              </a:rPr>
-              <a:t>http://www.knockmeout.net/2011/06/10-things-to-know-about-knockoutjs-on.html</a:t>
-            </a:r>
+              <a:rPr lang="en-US" dirty="0" smtClean="0"/>
+              <a:t>owner: this === .bind(this)</a:t>
+            </a:r>
+            <a:endParaRPr lang="en-US" dirty="0"/>
           </a:p>
         </p:txBody>
       </p:sp>
     </p:spTree>
     <p:extLst>
       <p:ext uri="{BB962C8B-B14F-4D97-AF65-F5344CB8AC3E}">
-        <p14:creationId xmlns:p14="http://schemas.microsoft.com/office/powerpoint/2010/main" val="1565091185"/>
+        <p14:creationId xmlns:p14="http://schemas.microsoft.com/office/powerpoint/2010/main" val="1241537181"/>
       </p:ext>
     </p:extLst>
   </p:cSld>
@@ -10520,6 +10405,307 @@
         </p:nvSpPr>
         <p:spPr/>
         <p:txBody>
+          <a:bodyPr>
+            <a:normAutofit fontScale="90000"/>
+          </a:bodyPr>
+          <a:lstStyle/>
+          <a:p>
+            <a:r>
+              <a:rPr lang="en-US" dirty="0" err="1" smtClean="0"/>
+              <a:t>defered</a:t>
+            </a:r>
+            <a:r>
+              <a:rPr lang="en-US" dirty="0" smtClean="0"/>
+              <a:t> </a:t>
+            </a:r>
+            <a:r>
+              <a:rPr lang="en-US" dirty="0" err="1" smtClean="0"/>
+              <a:t>dependentObservable</a:t>
+            </a:r>
+            <a:endParaRPr lang="en-US" dirty="0"/>
+          </a:p>
+        </p:txBody>
+      </p:sp>
+      <p:sp>
+        <p:nvSpPr>
+          <p:cNvPr id="3" name="Content Placeholder 2"/>
+          <p:cNvSpPr>
+            <a:spLocks noGrp="1"/>
+          </p:cNvSpPr>
+          <p:nvPr>
+            <p:ph idx="1"/>
+          </p:nvPr>
+        </p:nvSpPr>
+        <p:spPr/>
+        <p:txBody>
+          <a:bodyPr>
+            <a:normAutofit lnSpcReduction="10000"/>
+          </a:bodyPr>
+          <a:lstStyle/>
+          <a:p>
+            <a:pPr marL="0" indent="0">
+              <a:buNone/>
+            </a:pPr>
+            <a:r>
+              <a:rPr lang="en-US" sz="2400" dirty="0" err="1"/>
+              <a:t>viewModel.total</a:t>
+            </a:r>
+            <a:r>
+              <a:rPr lang="en-US" sz="2400" dirty="0"/>
+              <a:t> = </a:t>
+            </a:r>
+            <a:r>
+              <a:rPr lang="en-US" sz="2400" dirty="0" err="1"/>
+              <a:t>ko.dependentObservable</a:t>
+            </a:r>
+            <a:r>
+              <a:rPr lang="en-US" sz="2400" dirty="0"/>
+              <a:t>({</a:t>
+            </a:r>
+          </a:p>
+          <a:p>
+            <a:pPr marL="0" indent="0">
+              <a:buNone/>
+            </a:pPr>
+            <a:r>
+              <a:rPr lang="en-US" sz="2400" dirty="0"/>
+              <a:t>    read: function() {</a:t>
+            </a:r>
+          </a:p>
+          <a:p>
+            <a:pPr marL="0" indent="0">
+              <a:buNone/>
+            </a:pPr>
+            <a:r>
+              <a:rPr lang="en-US" sz="2400" dirty="0"/>
+              <a:t>       </a:t>
+            </a:r>
+            <a:r>
+              <a:rPr lang="en-US" sz="2400" dirty="0" err="1"/>
+              <a:t>var</a:t>
+            </a:r>
+            <a:r>
+              <a:rPr lang="en-US" sz="2400" dirty="0"/>
+              <a:t> result = 0;</a:t>
+            </a:r>
+          </a:p>
+          <a:p>
+            <a:pPr marL="0" indent="0">
+              <a:buNone/>
+            </a:pPr>
+            <a:r>
+              <a:rPr lang="en-US" sz="2400" dirty="0"/>
+              <a:t>        </a:t>
+            </a:r>
+            <a:r>
+              <a:rPr lang="en-US" sz="2400" dirty="0" err="1"/>
+              <a:t>ko.utils.arrayForEach</a:t>
+            </a:r>
+            <a:r>
+              <a:rPr lang="en-US" sz="2400" dirty="0" smtClean="0"/>
+              <a:t>(</a:t>
+            </a:r>
+          </a:p>
+          <a:p>
+            <a:pPr marL="0" indent="0">
+              <a:buNone/>
+            </a:pPr>
+            <a:r>
+              <a:rPr lang="en-US" sz="2400" dirty="0"/>
+              <a:t>	</a:t>
+            </a:r>
+            <a:r>
+              <a:rPr lang="en-US" sz="2400" dirty="0" err="1" smtClean="0"/>
+              <a:t>viewModel.items</a:t>
+            </a:r>
+            <a:r>
+              <a:rPr lang="en-US" sz="2400" dirty="0" smtClean="0"/>
+              <a:t>(),</a:t>
+            </a:r>
+          </a:p>
+          <a:p>
+            <a:pPr marL="0" indent="0">
+              <a:buNone/>
+            </a:pPr>
+            <a:r>
+              <a:rPr lang="en-US" sz="2400" dirty="0"/>
+              <a:t>	</a:t>
+            </a:r>
+            <a:r>
+              <a:rPr lang="en-US" sz="2400" dirty="0" smtClean="0"/>
+              <a:t>function(item</a:t>
+            </a:r>
+            <a:r>
+              <a:rPr lang="en-US" sz="2400" dirty="0"/>
+              <a:t>) {</a:t>
+            </a:r>
+          </a:p>
+          <a:p>
+            <a:pPr marL="0" indent="0">
+              <a:buNone/>
+            </a:pPr>
+            <a:r>
+              <a:rPr lang="en-US" sz="2400" dirty="0" smtClean="0"/>
+              <a:t>		result </a:t>
+            </a:r>
+            <a:r>
+              <a:rPr lang="en-US" sz="2400" dirty="0"/>
+              <a:t>+= </a:t>
+            </a:r>
+            <a:r>
+              <a:rPr lang="en-US" sz="2400" dirty="0" err="1"/>
+              <a:t>item.amount</a:t>
+            </a:r>
+            <a:r>
+              <a:rPr lang="en-US" sz="2400" dirty="0"/>
+              <a:t>(); </a:t>
+            </a:r>
+          </a:p>
+          <a:p>
+            <a:pPr marL="0" indent="0">
+              <a:buNone/>
+            </a:pPr>
+            <a:r>
+              <a:rPr lang="en-US" sz="2400" dirty="0" smtClean="0"/>
+              <a:t>	});</a:t>
+            </a:r>
+            <a:endParaRPr lang="en-US" sz="2400" dirty="0"/>
+          </a:p>
+          <a:p>
+            <a:pPr marL="0" indent="0">
+              <a:buNone/>
+            </a:pPr>
+            <a:r>
+              <a:rPr lang="en-US" sz="2400" dirty="0"/>
+              <a:t>    },</a:t>
+            </a:r>
+          </a:p>
+          <a:p>
+            <a:pPr marL="0" indent="0">
+              <a:buNone/>
+            </a:pPr>
+            <a:r>
+              <a:rPr lang="en-US" sz="2400" dirty="0"/>
+              <a:t>    </a:t>
+            </a:r>
+            <a:r>
+              <a:rPr lang="en-US" sz="2400" dirty="0" err="1"/>
+              <a:t>deferEvaluation</a:t>
+            </a:r>
+            <a:r>
+              <a:rPr lang="en-US" sz="2400" dirty="0"/>
+              <a:t>: true  //don't evaluate </a:t>
+            </a:r>
+            <a:r>
+              <a:rPr lang="en-US" sz="2400" dirty="0" smtClean="0"/>
+              <a:t>until requested</a:t>
+            </a:r>
+          </a:p>
+          <a:p>
+            <a:pPr marL="0" indent="0">
+              <a:buNone/>
+            </a:pPr>
+            <a:r>
+              <a:rPr lang="en-US" sz="2400" dirty="0" smtClean="0"/>
+              <a:t>}, </a:t>
+            </a:r>
+            <a:r>
+              <a:rPr lang="en-US" sz="2400" dirty="0" err="1"/>
+              <a:t>viewModel</a:t>
+            </a:r>
+            <a:r>
+              <a:rPr lang="en-US" sz="2400" dirty="0"/>
+              <a:t>);</a:t>
+            </a:r>
+          </a:p>
+        </p:txBody>
+      </p:sp>
+      <p:sp>
+        <p:nvSpPr>
+          <p:cNvPr id="4" name="Rectangle 3"/>
+          <p:cNvSpPr/>
+          <p:nvPr/>
+        </p:nvSpPr>
+        <p:spPr>
+          <a:xfrm>
+            <a:off x="304800" y="6412468"/>
+            <a:ext cx="8610600" cy="369332"/>
+          </a:xfrm>
+          <a:prstGeom prst="rect">
+            <a:avLst/>
+          </a:prstGeom>
+        </p:spPr>
+        <p:txBody>
+          <a:bodyPr wrap="square">
+            <a:spAutoFit/>
+          </a:bodyPr>
+          <a:lstStyle/>
+          <a:p>
+            <a:r>
+              <a:rPr lang="en-US" dirty="0">
+                <a:solidFill>
+                  <a:schemeClr val="bg1">
+                    <a:lumMod val="65000"/>
+                  </a:schemeClr>
+                </a:solidFill>
+              </a:rPr>
+              <a:t>http://www.knockmeout.net/2011/06/10-things-to-know-about-knockoutjs-on.html</a:t>
+            </a:r>
+          </a:p>
+        </p:txBody>
+      </p:sp>
+    </p:spTree>
+    <p:extLst>
+      <p:ext uri="{BB962C8B-B14F-4D97-AF65-F5344CB8AC3E}">
+        <p14:creationId xmlns:p14="http://schemas.microsoft.com/office/powerpoint/2010/main" val="1565091185"/>
+      </p:ext>
+    </p:extLst>
+  </p:cSld>
+  <p:clrMapOvr>
+    <a:masterClrMapping/>
+  </p:clrMapOvr>
+  <p:transition spd="slow">
+    <p:push/>
+  </p:transition>
+  <p:timing>
+    <p:tnLst>
+      <p:par>
+        <p:cTn id="1" dur="indefinite" restart="never" nodeType="tmRoot"/>
+      </p:par>
+    </p:tnLst>
+  </p:timing>
+</p:sld>
+</file>
+
+<file path=ppt/slides/slide12.xml><?xml version="1.0" encoding="utf-8"?>
+<p:sld xmlns:a="http://schemas.openxmlformats.org/drawingml/2006/main" xmlns:r="http://schemas.openxmlformats.org/officeDocument/2006/relationships" xmlns:p="http://schemas.openxmlformats.org/presentationml/2006/main">
+  <p:cSld>
+    <p:spTree>
+      <p:nvGrpSpPr>
+        <p:cNvPr id="1" name=""/>
+        <p:cNvGrpSpPr/>
+        <p:nvPr/>
+      </p:nvGrpSpPr>
+      <p:grpSpPr>
+        <a:xfrm>
+          <a:off x="0" y="0"/>
+          <a:ext cx="0" cy="0"/>
+          <a:chOff x="0" y="0"/>
+          <a:chExt cx="0" cy="0"/>
+        </a:xfrm>
+      </p:grpSpPr>
+      <p:sp>
+        <p:nvSpPr>
+          <p:cNvPr id="2" name="Title 1"/>
+          <p:cNvSpPr>
+            <a:spLocks noGrp="1"/>
+          </p:cNvSpPr>
+          <p:nvPr>
+            <p:ph type="title"/>
+          </p:nvPr>
+        </p:nvSpPr>
+        <p:spPr/>
+        <p:txBody>
           <a:bodyPr/>
           <a:lstStyle/>
           <a:p>
@@ -10665,7 +10851,7 @@
 </p:sld>
 </file>
 
-<file path=ppt/slides/slide12.xml><?xml version="1.0" encoding="utf-8"?>
+<file path=ppt/slides/slide13.xml><?xml version="1.0" encoding="utf-8"?>
 <p:sld xmlns:a="http://schemas.openxmlformats.org/drawingml/2006/main" xmlns:r="http://schemas.openxmlformats.org/officeDocument/2006/relationships" xmlns:p="http://schemas.openxmlformats.org/presentationml/2006/main">
   <p:cSld>
     <p:spTree>
@@ -10876,220 +11062,6 @@
 </p:sld>
 </file>
 
-<file path=ppt/slides/slide13.xml><?xml version="1.0" encoding="utf-8"?>
-<p:sld xmlns:a="http://schemas.openxmlformats.org/drawingml/2006/main" xmlns:r="http://schemas.openxmlformats.org/officeDocument/2006/relationships" xmlns:p="http://schemas.openxmlformats.org/presentationml/2006/main">
-  <p:cSld>
-    <p:spTree>
-      <p:nvGrpSpPr>
-        <p:cNvPr id="1" name=""/>
-        <p:cNvGrpSpPr/>
-        <p:nvPr/>
-      </p:nvGrpSpPr>
-      <p:grpSpPr>
-        <a:xfrm>
-          <a:off x="0" y="0"/>
-          <a:ext cx="0" cy="0"/>
-          <a:chOff x="0" y="0"/>
-          <a:chExt cx="0" cy="0"/>
-        </a:xfrm>
-      </p:grpSpPr>
-      <p:sp>
-        <p:nvSpPr>
-          <p:cNvPr id="3" name="Title 2"/>
-          <p:cNvSpPr>
-            <a:spLocks noGrp="1"/>
-          </p:cNvSpPr>
-          <p:nvPr>
-            <p:ph type="title"/>
-          </p:nvPr>
-        </p:nvSpPr>
-        <p:spPr/>
-        <p:txBody>
-          <a:bodyPr/>
-          <a:lstStyle/>
-          <a:p>
-            <a:r>
-              <a:rPr lang="en-US" dirty="0" smtClean="0"/>
-              <a:t># of </a:t>
-            </a:r>
-            <a:r>
-              <a:rPr lang="en-US" dirty="0" err="1" smtClean="0"/>
-              <a:t>ViewModels</a:t>
-            </a:r>
-            <a:r>
-              <a:rPr lang="en-US" dirty="0" smtClean="0"/>
-              <a:t> per page</a:t>
-            </a:r>
-            <a:endParaRPr lang="en-US" dirty="0"/>
-          </a:p>
-        </p:txBody>
-      </p:sp>
-      <p:sp>
-        <p:nvSpPr>
-          <p:cNvPr id="4" name="Content Placeholder 3"/>
-          <p:cNvSpPr>
-            <a:spLocks noGrp="1"/>
-          </p:cNvSpPr>
-          <p:nvPr>
-            <p:ph idx="1"/>
-          </p:nvPr>
-        </p:nvSpPr>
-        <p:spPr/>
-        <p:txBody>
-          <a:bodyPr/>
-          <a:lstStyle/>
-          <a:p>
-            <a:r>
-              <a:rPr lang="en-US" dirty="0" smtClean="0"/>
-              <a:t>Only 1 by default</a:t>
-            </a:r>
-          </a:p>
-          <a:p>
-            <a:r>
-              <a:rPr lang="en-US" dirty="0" err="1" smtClean="0"/>
-              <a:t>knockout.namespaces</a:t>
-            </a:r>
-            <a:r>
-              <a:rPr lang="en-US" dirty="0" smtClean="0"/>
-              <a:t> solves the problem</a:t>
-            </a:r>
-          </a:p>
-          <a:p>
-            <a:pPr lvl="1"/>
-            <a:r>
-              <a:rPr lang="en-US" dirty="0" smtClean="0"/>
-              <a:t>&lt;div data-bind-a=“”&gt;&lt;/div&gt;</a:t>
-            </a:r>
-          </a:p>
-          <a:p>
-            <a:pPr lvl="1"/>
-            <a:r>
-              <a:rPr lang="en-US" dirty="0"/>
-              <a:t>&lt;div </a:t>
-            </a:r>
-            <a:r>
-              <a:rPr lang="en-US" dirty="0" smtClean="0"/>
-              <a:t>data-bind-b=“”&gt;&lt;/</a:t>
-            </a:r>
-            <a:r>
-              <a:rPr lang="en-US" dirty="0"/>
-              <a:t>div</a:t>
-            </a:r>
-            <a:r>
-              <a:rPr lang="en-US" dirty="0" smtClean="0"/>
-              <a:t>&gt;</a:t>
-            </a:r>
-          </a:p>
-          <a:p>
-            <a:pPr lvl="1"/>
-            <a:r>
-              <a:rPr lang="en-US" dirty="0" err="1" smtClean="0"/>
-              <a:t>ko.applyBindings</a:t>
-            </a:r>
-            <a:r>
-              <a:rPr lang="en-US" dirty="0" smtClean="0"/>
-              <a:t>(</a:t>
-            </a:r>
-            <a:r>
-              <a:rPr lang="en-US" dirty="0" err="1" smtClean="0"/>
-              <a:t>viewModel</a:t>
-            </a:r>
-            <a:r>
-              <a:rPr lang="en-US" dirty="0" smtClean="0"/>
-              <a:t>, “a”);</a:t>
-            </a:r>
-          </a:p>
-          <a:p>
-            <a:pPr lvl="1"/>
-            <a:r>
-              <a:rPr lang="en-US" dirty="0" err="1"/>
-              <a:t>ko.applyBindings</a:t>
-            </a:r>
-            <a:r>
-              <a:rPr lang="en-US" dirty="0"/>
-              <a:t>(</a:t>
-            </a:r>
-            <a:r>
-              <a:rPr lang="en-US" dirty="0" err="1"/>
-              <a:t>viewModel</a:t>
-            </a:r>
-            <a:r>
-              <a:rPr lang="en-US" dirty="0"/>
-              <a:t>, </a:t>
-            </a:r>
-            <a:r>
-              <a:rPr lang="en-US" dirty="0" smtClean="0"/>
-              <a:t>“b”);</a:t>
-            </a:r>
-            <a:endParaRPr lang="en-US" dirty="0"/>
-          </a:p>
-          <a:p>
-            <a:pPr lvl="1"/>
-            <a:endParaRPr lang="en-US" dirty="0" smtClean="0"/>
-          </a:p>
-          <a:p>
-            <a:pPr lvl="1"/>
-            <a:endParaRPr lang="en-US" dirty="0"/>
-          </a:p>
-        </p:txBody>
-      </p:sp>
-      <p:sp>
-        <p:nvSpPr>
-          <p:cNvPr id="5" name="Rectangle 4"/>
-          <p:cNvSpPr/>
-          <p:nvPr/>
-        </p:nvSpPr>
-        <p:spPr>
-          <a:xfrm>
-            <a:off x="304800" y="6412468"/>
-            <a:ext cx="8610600" cy="369332"/>
-          </a:xfrm>
-          <a:prstGeom prst="rect">
-            <a:avLst/>
-          </a:prstGeom>
-        </p:spPr>
-        <p:txBody>
-          <a:bodyPr wrap="square">
-            <a:spAutoFit/>
-          </a:bodyPr>
-          <a:lstStyle/>
-          <a:p>
-            <a:r>
-              <a:rPr lang="en-US" dirty="0">
-                <a:solidFill>
-                  <a:schemeClr val="bg1">
-                    <a:lumMod val="65000"/>
-                  </a:schemeClr>
-                </a:solidFill>
-              </a:rPr>
-              <a:t>https://github.com/hunterloftis/knockout.namespaces</a:t>
-            </a:r>
-          </a:p>
-        </p:txBody>
-      </p:sp>
-    </p:spTree>
-    <p:extLst>
-      <p:ext uri="{BB962C8B-B14F-4D97-AF65-F5344CB8AC3E}">
-        <p14:creationId xmlns:p14="http://schemas.microsoft.com/office/powerpoint/2010/main" val="3256140340"/>
-      </p:ext>
-    </p:extLst>
-  </p:cSld>
-  <p:clrMapOvr>
-    <a:masterClrMapping/>
-  </p:clrMapOvr>
-  <p:transition spd="slow">
-    <p:push/>
-  </p:transition>
-  <p:timing>
-    <p:tnLst>
-      <p:par>
-        <p:cTn id="1" dur="indefinite" restart="never" nodeType="tmRoot"/>
-      </p:par>
-    </p:tnLst>
-  </p:timing>
-</p:sld>
-</file>
-
 <file path=ppt/slides/slide14.xml><?xml version="1.0" encoding="utf-8"?>
 <p:sld xmlns:a="http://schemas.openxmlformats.org/drawingml/2006/main" xmlns:r="http://schemas.openxmlformats.org/officeDocument/2006/relationships" xmlns:p="http://schemas.openxmlformats.org/presentationml/2006/main">
   <p:cSld>
@@ -11109,7 +11081,7 @@
       </p:grpSpPr>
       <p:sp>
         <p:nvSpPr>
-          <p:cNvPr id="2" name="Title 1"/>
+          <p:cNvPr id="3" name="Title 2"/>
           <p:cNvSpPr>
             <a:spLocks noGrp="1"/>
           </p:cNvSpPr>
@@ -11123,12 +11095,16 @@
           <a:lstStyle/>
           <a:p>
             <a:r>
+              <a:rPr lang="en-US" dirty="0" smtClean="0"/>
+              <a:t># of </a:t>
+            </a:r>
+            <a:r>
               <a:rPr lang="en-US" dirty="0" err="1" smtClean="0"/>
-              <a:t>ko.toJSON</a:t>
+              <a:t>ViewModels</a:t>
             </a:r>
             <a:r>
               <a:rPr lang="en-US" dirty="0" smtClean="0"/>
-              <a:t> for debugging</a:t>
+              <a:t> per page</a:t>
             </a:r>
             <a:endParaRPr lang="en-US" dirty="0"/>
           </a:p>
@@ -11136,7 +11112,7 @@
       </p:sp>
       <p:sp>
         <p:nvSpPr>
-          <p:cNvPr id="3" name="Content Placeholder 2"/>
+          <p:cNvPr id="4" name="Content Placeholder 3"/>
           <p:cNvSpPr>
             <a:spLocks noGrp="1"/>
           </p:cNvSpPr>
@@ -11146,51 +11122,133 @@
         </p:nvSpPr>
         <p:spPr/>
         <p:txBody>
-          <a:bodyPr>
-            <a:normAutofit/>
+          <a:bodyPr/>
+          <a:lstStyle/>
+          <a:p>
+            <a:r>
+              <a:rPr lang="en-US" dirty="0" smtClean="0"/>
+              <a:t>Only 1 by default</a:t>
+            </a:r>
+          </a:p>
+          <a:p>
+            <a:r>
+              <a:rPr lang="en-US" dirty="0" err="1" smtClean="0"/>
+              <a:t>knockout.namespaces</a:t>
+            </a:r>
+            <a:r>
+              <a:rPr lang="en-US" dirty="0" smtClean="0"/>
+              <a:t> solves the problem</a:t>
+            </a:r>
+          </a:p>
+          <a:p>
+            <a:pPr lvl="1"/>
+            <a:r>
+              <a:rPr lang="en-US" dirty="0" smtClean="0"/>
+              <a:t>&lt;div data-bind-a=“”&gt;&lt;/div&gt;</a:t>
+            </a:r>
+          </a:p>
+          <a:p>
+            <a:pPr lvl="1"/>
+            <a:r>
+              <a:rPr lang="en-US" dirty="0"/>
+              <a:t>&lt;div </a:t>
+            </a:r>
+            <a:r>
+              <a:rPr lang="en-US" dirty="0" smtClean="0"/>
+              <a:t>data-bind-b=“”&gt;&lt;/</a:t>
+            </a:r>
+            <a:r>
+              <a:rPr lang="en-US" dirty="0"/>
+              <a:t>div</a:t>
+            </a:r>
+            <a:r>
+              <a:rPr lang="en-US" dirty="0" smtClean="0"/>
+              <a:t>&gt;</a:t>
+            </a:r>
+          </a:p>
+          <a:p>
+            <a:pPr lvl="1"/>
+            <a:r>
+              <a:rPr lang="en-US" dirty="0" err="1" smtClean="0"/>
+              <a:t>ko.applyBindings</a:t>
+            </a:r>
+            <a:r>
+              <a:rPr lang="en-US" dirty="0" smtClean="0"/>
+              <a:t>(</a:t>
+            </a:r>
+            <a:r>
+              <a:rPr lang="en-US" dirty="0" err="1" smtClean="0"/>
+              <a:t>viewModel</a:t>
+            </a:r>
+            <a:r>
+              <a:rPr lang="en-US" dirty="0" smtClean="0"/>
+              <a:t>, “a”);</a:t>
+            </a:r>
+          </a:p>
+          <a:p>
+            <a:pPr lvl="1"/>
+            <a:r>
+              <a:rPr lang="en-US" dirty="0" err="1"/>
+              <a:t>ko.applyBindings</a:t>
+            </a:r>
+            <a:r>
+              <a:rPr lang="en-US" dirty="0"/>
+              <a:t>(</a:t>
+            </a:r>
+            <a:r>
+              <a:rPr lang="en-US" dirty="0" err="1"/>
+              <a:t>viewModel</a:t>
+            </a:r>
+            <a:r>
+              <a:rPr lang="en-US" dirty="0"/>
+              <a:t>, </a:t>
+            </a:r>
+            <a:r>
+              <a:rPr lang="en-US" dirty="0" smtClean="0"/>
+              <a:t>“b”);</a:t>
+            </a:r>
+            <a:endParaRPr lang="en-US" dirty="0"/>
+          </a:p>
+          <a:p>
+            <a:pPr lvl="1"/>
+            <a:endParaRPr lang="en-US" dirty="0" smtClean="0"/>
+          </a:p>
+          <a:p>
+            <a:pPr lvl="1"/>
+            <a:endParaRPr lang="en-US" dirty="0"/>
+          </a:p>
+        </p:txBody>
+      </p:sp>
+      <p:sp>
+        <p:nvSpPr>
+          <p:cNvPr id="5" name="Rectangle 4"/>
+          <p:cNvSpPr/>
+          <p:nvPr/>
+        </p:nvSpPr>
+        <p:spPr>
+          <a:xfrm>
+            <a:off x="304800" y="6412468"/>
+            <a:ext cx="8610600" cy="369332"/>
+          </a:xfrm>
+          <a:prstGeom prst="rect">
+            <a:avLst/>
+          </a:prstGeom>
+        </p:spPr>
+        <p:txBody>
+          <a:bodyPr wrap="square">
+            <a:spAutoFit/>
           </a:bodyPr>
           <a:lstStyle/>
           <a:p>
-            <a:pPr marL="0" indent="0">
-              <a:buNone/>
-            </a:pPr>
-            <a:r>
-              <a:rPr lang="en-US" sz="2800" dirty="0"/>
-              <a:t>&lt;</a:t>
-            </a:r>
-            <a:r>
-              <a:rPr lang="en-US" sz="2800" dirty="0" err="1"/>
-              <a:t>hr</a:t>
-            </a:r>
-            <a:r>
-              <a:rPr lang="en-US" sz="2800" dirty="0"/>
-              <a:t>/&gt;</a:t>
-            </a:r>
-          </a:p>
-          <a:p>
-            <a:pPr marL="0" indent="0">
-              <a:buNone/>
-            </a:pPr>
-            <a:r>
-              <a:rPr lang="en-US" sz="2800" dirty="0"/>
-              <a:t>&lt;h1&gt;Debug&lt;/h1&gt;</a:t>
-            </a:r>
-          </a:p>
-          <a:p>
-            <a:pPr marL="0" indent="0">
-              <a:buNone/>
-            </a:pPr>
-            <a:r>
-              <a:rPr lang="en-US" sz="2800" dirty="0"/>
-              <a:t>&lt;div data-bind="text: </a:t>
-            </a:r>
-            <a:r>
-              <a:rPr lang="en-US" sz="2800" dirty="0" err="1"/>
-              <a:t>ko.toJSON</a:t>
-            </a:r>
-            <a:r>
-              <a:rPr lang="en-US" sz="2800" dirty="0"/>
-              <a:t>(user)"&gt;&lt;/div&gt;</a:t>
+            <a:r>
+              <a:rPr lang="en-US" dirty="0">
+                <a:solidFill>
+                  <a:schemeClr val="bg1">
+                    <a:lumMod val="65000"/>
+                  </a:schemeClr>
+                </a:solidFill>
+              </a:rPr>
+              <a:t>https://github.com/hunterloftis/knockout.namespaces</a:t>
             </a:r>
           </a:p>
         </p:txBody>
@@ -11198,7 +11256,7 @@
     </p:spTree>
     <p:extLst>
       <p:ext uri="{BB962C8B-B14F-4D97-AF65-F5344CB8AC3E}">
-        <p14:creationId xmlns:p14="http://schemas.microsoft.com/office/powerpoint/2010/main" val="4025935556"/>
+        <p14:creationId xmlns:p14="http://schemas.microsoft.com/office/powerpoint/2010/main" val="3256140340"/>
       </p:ext>
     </p:extLst>
   </p:cSld>
@@ -11251,8 +11309,12 @@
           <a:lstStyle/>
           <a:p>
             <a:r>
+              <a:rPr lang="en-US" dirty="0" err="1" smtClean="0"/>
+              <a:t>ko.toJSON</a:t>
+            </a:r>
+            <a:r>
               <a:rPr lang="en-US" dirty="0" smtClean="0"/>
-              <a:t>binding to select</a:t>
+              <a:t> for debugging</a:t>
             </a:r>
             <a:endParaRPr lang="en-US" dirty="0"/>
           </a:p>
@@ -11271,7 +11333,7 @@
         <p:spPr/>
         <p:txBody>
           <a:bodyPr>
-            <a:normAutofit fontScale="62500" lnSpcReduction="20000"/>
+            <a:normAutofit/>
           </a:bodyPr>
           <a:lstStyle/>
           <a:p>
@@ -11279,16 +11341,16 @@
               <a:buNone/>
             </a:pPr>
             <a:r>
-              <a:rPr lang="en-US" dirty="0"/>
-              <a:t>&lt;select data-bind</a:t>
-            </a:r>
-            <a:r>
-              <a:rPr lang="en-US" dirty="0" smtClean="0"/>
-              <a:t>=“options</a:t>
-            </a:r>
-            <a:r>
-              <a:rPr lang="en-US" dirty="0"/>
-              <a:t>: tickets,</a:t>
+              <a:rPr lang="en-US" sz="2800" dirty="0"/>
+              <a:t>&lt;</a:t>
+            </a:r>
+            <a:r>
+              <a:rPr lang="en-US" sz="2800" dirty="0" err="1"/>
+              <a:t>hr</a:t>
+            </a:r>
+            <a:r>
+              <a:rPr lang="en-US" sz="2800" dirty="0"/>
+              <a:t>/&gt;</a:t>
             </a:r>
           </a:p>
           <a:p>
@@ -11296,20 +11358,8 @@
               <a:buNone/>
             </a:pPr>
             <a:r>
-              <a:rPr lang="en-US" dirty="0"/>
-              <a:t>		   </a:t>
-            </a:r>
-            <a:r>
-              <a:rPr lang="en-US" dirty="0" smtClean="0"/>
-              <a:t>  </a:t>
-            </a:r>
-            <a:r>
-              <a:rPr lang="en-US" dirty="0" err="1" smtClean="0"/>
-              <a:t>optionsCaption</a:t>
-            </a:r>
-            <a:r>
-              <a:rPr lang="en-US" dirty="0"/>
-              <a:t>: 'Choose...',</a:t>
+              <a:rPr lang="en-US" sz="2800" dirty="0"/>
+              <a:t>&lt;h1&gt;Debug&lt;/h1&gt;</a:t>
             </a:r>
           </a:p>
           <a:p>
@@ -11317,176 +11367,16 @@
               <a:buNone/>
             </a:pPr>
             <a:r>
-              <a:rPr lang="en-US" dirty="0"/>
-              <a:t>		</a:t>
-            </a:r>
-            <a:r>
-              <a:rPr lang="en-US" dirty="0" smtClean="0"/>
-              <a:t>     </a:t>
-            </a:r>
-            <a:r>
-              <a:rPr lang="en-US" dirty="0" err="1" smtClean="0"/>
-              <a:t>optionsText</a:t>
-            </a:r>
-            <a:r>
-              <a:rPr lang="en-US" dirty="0"/>
-              <a:t>: 'name',</a:t>
-            </a:r>
-          </a:p>
-          <a:p>
-            <a:pPr marL="0" indent="0">
-              <a:buNone/>
-            </a:pPr>
-            <a:r>
-              <a:rPr lang="en-US" dirty="0"/>
-              <a:t>		</a:t>
-            </a:r>
-            <a:r>
-              <a:rPr lang="en-US" dirty="0" smtClean="0"/>
-              <a:t>     </a:t>
-            </a:r>
-            <a:r>
-              <a:rPr lang="en-US" dirty="0"/>
-              <a:t>value: </a:t>
-            </a:r>
-            <a:r>
-              <a:rPr lang="en-US" dirty="0" err="1"/>
-              <a:t>chosenTicket</a:t>
-            </a:r>
-            <a:r>
-              <a:rPr lang="en-US" dirty="0"/>
-              <a:t>"&gt;&lt;/select&gt; </a:t>
-            </a:r>
-          </a:p>
-          <a:p>
-            <a:pPr marL="0" indent="0">
-              <a:buNone/>
-            </a:pPr>
-            <a:endParaRPr lang="en-US" dirty="0"/>
-          </a:p>
-          <a:p>
-            <a:pPr marL="0" indent="0">
-              <a:buNone/>
-            </a:pPr>
-            <a:r>
-              <a:rPr lang="en-US" dirty="0" err="1"/>
-              <a:t>var</a:t>
-            </a:r>
-            <a:r>
-              <a:rPr lang="en-US" dirty="0"/>
-              <a:t> </a:t>
-            </a:r>
-            <a:r>
-              <a:rPr lang="en-US" dirty="0" err="1"/>
-              <a:t>viewModel</a:t>
-            </a:r>
-            <a:r>
-              <a:rPr lang="en-US" dirty="0"/>
-              <a:t> = {</a:t>
-            </a:r>
-          </a:p>
-          <a:p>
-            <a:pPr marL="0" indent="0">
-              <a:buNone/>
-            </a:pPr>
-            <a:r>
-              <a:rPr lang="en-US" dirty="0"/>
-              <a:t>	tickets: [</a:t>
-            </a:r>
-          </a:p>
-          <a:p>
-            <a:pPr marL="0" indent="0">
-              <a:buNone/>
-            </a:pPr>
-            <a:r>
-              <a:rPr lang="en-US" dirty="0"/>
-              <a:t>		{ name: "Economy", price: 199.95 },</a:t>
-            </a:r>
-          </a:p>
-          <a:p>
-            <a:pPr marL="0" indent="0">
-              <a:buNone/>
-            </a:pPr>
-            <a:r>
-              <a:rPr lang="en-US" dirty="0"/>
-              <a:t>		{ name: "Business", price: 449.22 },</a:t>
-            </a:r>
-          </a:p>
-          <a:p>
-            <a:pPr marL="0" indent="0">
-              <a:buNone/>
-            </a:pPr>
-            <a:r>
-              <a:rPr lang="en-US" dirty="0"/>
-              <a:t>		{ name: "First Class", price: 1199.99 }</a:t>
-            </a:r>
-          </a:p>
-          <a:p>
-            <a:pPr marL="0" indent="0">
-              <a:buNone/>
-            </a:pPr>
-            <a:r>
-              <a:rPr lang="en-US" dirty="0"/>
-              <a:t>	],</a:t>
-            </a:r>
-          </a:p>
-          <a:p>
-            <a:pPr marL="0" indent="0">
-              <a:buNone/>
-            </a:pPr>
-            <a:r>
-              <a:rPr lang="en-US" dirty="0"/>
-              <a:t>	</a:t>
-            </a:r>
-            <a:r>
-              <a:rPr lang="en-US" dirty="0" err="1"/>
-              <a:t>chosenTicket</a:t>
-            </a:r>
-            <a:r>
-              <a:rPr lang="en-US" dirty="0"/>
-              <a:t>: </a:t>
-            </a:r>
-            <a:r>
-              <a:rPr lang="en-US" dirty="0" err="1"/>
-              <a:t>ko.observable</a:t>
-            </a:r>
-            <a:r>
-              <a:rPr lang="en-US" dirty="0"/>
-              <a:t>(),</a:t>
-            </a:r>
-          </a:p>
-          <a:p>
-            <a:pPr marL="0" indent="0">
-              <a:buNone/>
-            </a:pPr>
-            <a:r>
-              <a:rPr lang="en-US" dirty="0"/>
-              <a:t>	</a:t>
-            </a:r>
-            <a:r>
-              <a:rPr lang="en-US" dirty="0" err="1"/>
-              <a:t>resetTicket</a:t>
-            </a:r>
-            <a:r>
-              <a:rPr lang="en-US" dirty="0"/>
-              <a:t>: function() { </a:t>
-            </a:r>
-            <a:r>
-              <a:rPr lang="en-US" dirty="0" err="1"/>
-              <a:t>this.chosenTicket</a:t>
-            </a:r>
-            <a:r>
-              <a:rPr lang="en-US" dirty="0"/>
-              <a:t>(null) }</a:t>
-            </a:r>
-          </a:p>
-          <a:p>
-            <a:pPr marL="0" indent="0">
-              <a:buNone/>
-            </a:pPr>
-            <a:r>
-              <a:rPr lang="en-US" dirty="0"/>
-              <a:t>};</a:t>
+              <a:rPr lang="en-US" sz="2800" dirty="0"/>
+              <a:t>&lt;div data-bind="text: </a:t>
+            </a:r>
+            <a:r>
+              <a:rPr lang="en-US" sz="2800" dirty="0" err="1"/>
+              <a:t>ko.toJSON</a:t>
+            </a:r>
+            <a:r>
+              <a:rPr lang="en-US" sz="2800" dirty="0"/>
+              <a:t>(user)"&gt;&lt;/div&gt;</a:t>
             </a:r>
           </a:p>
         </p:txBody>
@@ -11494,7 +11384,7 @@
     </p:spTree>
     <p:extLst>
       <p:ext uri="{BB962C8B-B14F-4D97-AF65-F5344CB8AC3E}">
-        <p14:creationId xmlns:p14="http://schemas.microsoft.com/office/powerpoint/2010/main" val="3922366123"/>
+        <p14:creationId xmlns:p14="http://schemas.microsoft.com/office/powerpoint/2010/main" val="4025935556"/>
       </p:ext>
     </p:extLst>
   </p:cSld>
@@ -11547,8 +11437,8 @@
           <a:lstStyle/>
           <a:p>
             <a:r>
-              <a:rPr lang="en-US" dirty="0" err="1" smtClean="0"/>
-              <a:t>ko.utils</a:t>
+              <a:rPr lang="en-US" dirty="0" smtClean="0"/>
+              <a:t>binding to select</a:t>
             </a:r>
             <a:endParaRPr lang="en-US" dirty="0"/>
           </a:p>
@@ -11567,117 +11457,222 @@
         <p:spPr/>
         <p:txBody>
           <a:bodyPr>
-            <a:normAutofit fontScale="77500" lnSpcReduction="20000"/>
+            <a:normAutofit fontScale="62500" lnSpcReduction="20000"/>
           </a:bodyPr>
           <a:lstStyle/>
           <a:p>
+            <a:pPr marL="0" indent="0">
+              <a:buNone/>
+            </a:pPr>
+            <a:r>
+              <a:rPr lang="en-US" dirty="0"/>
+              <a:t>&lt;select data-bind</a:t>
+            </a:r>
+            <a:r>
+              <a:rPr lang="en-US" dirty="0" smtClean="0"/>
+              <a:t>=“options</a:t>
+            </a:r>
+            <a:r>
+              <a:rPr lang="en-US" dirty="0"/>
+              <a:t>: tickets,</a:t>
+            </a:r>
+          </a:p>
+          <a:p>
+            <a:pPr marL="0" indent="0">
+              <a:buNone/>
+            </a:pPr>
+            <a:r>
+              <a:rPr lang="en-US" dirty="0"/>
+              <a:t>		   </a:t>
+            </a:r>
+            <a:r>
+              <a:rPr lang="en-US" dirty="0" smtClean="0"/>
+              <a:t>  </a:t>
+            </a:r>
             <a:r>
               <a:rPr lang="en-US" dirty="0" err="1" smtClean="0"/>
-              <a:t>arrayForEach</a:t>
-            </a:r>
-            <a:endParaRPr lang="en-US" dirty="0" smtClean="0"/>
-          </a:p>
-          <a:p>
+              <a:t>optionsCaption</a:t>
+            </a:r>
+            <a:r>
+              <a:rPr lang="en-US" dirty="0"/>
+              <a:t>: 'Choose...',</a:t>
+            </a:r>
+          </a:p>
+          <a:p>
+            <a:pPr marL="0" indent="0">
+              <a:buNone/>
+            </a:pPr>
+            <a:r>
+              <a:rPr lang="en-US" dirty="0"/>
+              <a:t>		</a:t>
+            </a:r>
+            <a:r>
+              <a:rPr lang="en-US" dirty="0" smtClean="0"/>
+              <a:t>     </a:t>
+            </a:r>
             <a:r>
               <a:rPr lang="en-US" dirty="0" err="1" smtClean="0"/>
-              <a:t>arrayFirst</a:t>
-            </a:r>
-            <a:endParaRPr lang="en-US" dirty="0" smtClean="0"/>
-          </a:p>
-          <a:p>
-            <a:r>
-              <a:rPr lang="en-US" dirty="0" err="1" smtClean="0"/>
-              <a:t>arrayFilter</a:t>
-            </a:r>
-            <a:endParaRPr lang="en-US" dirty="0" smtClean="0"/>
-          </a:p>
-          <a:p>
-            <a:r>
-              <a:rPr lang="en-US" dirty="0" err="1" smtClean="0"/>
-              <a:t>arrayRemoveItem</a:t>
-            </a:r>
-            <a:endParaRPr lang="en-US" dirty="0" smtClean="0"/>
-          </a:p>
-          <a:p>
-            <a:r>
-              <a:rPr lang="en-US" dirty="0" err="1" smtClean="0"/>
-              <a:t>arrayGetDistinctValues</a:t>
-            </a:r>
-            <a:endParaRPr lang="en-US" dirty="0" smtClean="0"/>
-          </a:p>
-          <a:p>
-            <a:r>
-              <a:rPr lang="en-US" dirty="0" err="1" smtClean="0"/>
-              <a:t>stringifyJson</a:t>
-            </a:r>
-            <a:endParaRPr lang="en-US" dirty="0" smtClean="0"/>
-          </a:p>
-          <a:p>
+              <a:t>optionsText</a:t>
+            </a:r>
+            <a:r>
+              <a:rPr lang="en-US" dirty="0"/>
+              <a:t>: 'name',</a:t>
+            </a:r>
+          </a:p>
+          <a:p>
+            <a:pPr marL="0" indent="0">
+              <a:buNone/>
+            </a:pPr>
+            <a:r>
+              <a:rPr lang="en-US" dirty="0"/>
+              <a:t>		</a:t>
+            </a:r>
             <a:r>
               <a:rPr lang="en-US" dirty="0" smtClean="0"/>
-              <a:t>range</a:t>
-            </a:r>
-          </a:p>
-          <a:p>
-            <a:r>
-              <a:rPr lang="en-US" dirty="0" err="1" smtClean="0"/>
-              <a:t>parseJson</a:t>
-            </a:r>
-            <a:endParaRPr lang="en-US" dirty="0" smtClean="0"/>
-          </a:p>
-          <a:p>
-            <a:r>
-              <a:rPr lang="en-US" dirty="0" err="1" smtClean="0"/>
-              <a:t>stringTrim</a:t>
-            </a:r>
-            <a:endParaRPr lang="en-US" dirty="0" smtClean="0"/>
-          </a:p>
-          <a:p>
-            <a:r>
-              <a:rPr lang="en-US" dirty="0" err="1" smtClean="0"/>
-              <a:t>stringTokenize</a:t>
-            </a:r>
-            <a:endParaRPr lang="en-US" dirty="0" smtClean="0"/>
-          </a:p>
-          <a:p>
-            <a:r>
-              <a:rPr lang="en-US" dirty="0" err="1" smtClean="0"/>
-              <a:t>stringStartsWith</a:t>
-            </a:r>
-            <a:endParaRPr lang="en-US" dirty="0" smtClean="0"/>
-          </a:p>
-        </p:txBody>
-      </p:sp>
-      <p:sp>
-        <p:nvSpPr>
-          <p:cNvPr id="4" name="Rectangle 3"/>
-          <p:cNvSpPr/>
-          <p:nvPr/>
-        </p:nvSpPr>
-        <p:spPr>
-          <a:xfrm>
-            <a:off x="304800" y="6412468"/>
-            <a:ext cx="8610600" cy="369332"/>
-          </a:xfrm>
-          <a:prstGeom prst="rect">
-            <a:avLst/>
-          </a:prstGeom>
-        </p:spPr>
-        <p:txBody>
-          <a:bodyPr wrap="square">
-            <a:spAutoFit/>
-          </a:bodyPr>
-          <a:lstStyle/>
-          <a:p>
-            <a:r>
-              <a:rPr lang="en-US" dirty="0">
-                <a:solidFill>
-                  <a:schemeClr val="bg1">
-                    <a:lumMod val="65000"/>
-                  </a:schemeClr>
-                </a:solidFill>
-              </a:rPr>
-              <a:t>http://www.knockmeout.net/2011/04/utility-functions-in-knockoutjs.html</a:t>
+              <a:t>     </a:t>
+            </a:r>
+            <a:r>
+              <a:rPr lang="en-US" dirty="0"/>
+              <a:t>value: </a:t>
+            </a:r>
+            <a:r>
+              <a:rPr lang="en-US" dirty="0" err="1"/>
+              <a:t>chosenTicket</a:t>
+            </a:r>
+            <a:r>
+              <a:rPr lang="en-US" dirty="0"/>
+              <a:t>"&gt;&lt;/select&gt; </a:t>
+            </a:r>
+          </a:p>
+          <a:p>
+            <a:pPr marL="0" indent="0">
+              <a:buNone/>
+            </a:pPr>
+            <a:endParaRPr lang="en-US" dirty="0"/>
+          </a:p>
+          <a:p>
+            <a:pPr marL="0" indent="0">
+              <a:buNone/>
+            </a:pPr>
+            <a:r>
+              <a:rPr lang="en-US" dirty="0" err="1"/>
+              <a:t>var</a:t>
+            </a:r>
+            <a:r>
+              <a:rPr lang="en-US" dirty="0"/>
+              <a:t> </a:t>
+            </a:r>
+            <a:r>
+              <a:rPr lang="en-US" dirty="0" err="1"/>
+              <a:t>viewModel</a:t>
+            </a:r>
+            <a:r>
+              <a:rPr lang="en-US" dirty="0"/>
+              <a:t> = {</a:t>
+            </a:r>
+          </a:p>
+          <a:p>
+            <a:pPr marL="0" indent="0">
+              <a:buNone/>
+            </a:pPr>
+            <a:r>
+              <a:rPr lang="en-US" dirty="0"/>
+              <a:t>	tickets: [</a:t>
+            </a:r>
+          </a:p>
+          <a:p>
+            <a:pPr marL="0" indent="0">
+              <a:buNone/>
+            </a:pPr>
+            <a:r>
+              <a:rPr lang="en-US" dirty="0"/>
+              <a:t>		{ name: "Economy", price: 199.95 },</a:t>
+            </a:r>
+          </a:p>
+          <a:p>
+            <a:pPr marL="0" indent="0">
+              <a:buNone/>
+            </a:pPr>
+            <a:r>
+              <a:rPr lang="en-US" dirty="0"/>
+              <a:t>		{ name: "Business", price: 449.22 },</a:t>
+            </a:r>
+          </a:p>
+          <a:p>
+            <a:pPr marL="0" indent="0">
+              <a:buNone/>
+            </a:pPr>
+            <a:r>
+              <a:rPr lang="en-US" dirty="0"/>
+              <a:t>		{ name: "First Class", price: 1199.99 }</a:t>
+            </a:r>
+          </a:p>
+          <a:p>
+            <a:pPr marL="0" indent="0">
+              <a:buNone/>
+            </a:pPr>
+            <a:r>
+              <a:rPr lang="en-US" dirty="0"/>
+              <a:t>	],</a:t>
+            </a:r>
+          </a:p>
+          <a:p>
+            <a:pPr marL="0" indent="0">
+              <a:buNone/>
+            </a:pPr>
+            <a:r>
+              <a:rPr lang="en-US" dirty="0"/>
+              <a:t>	</a:t>
+            </a:r>
+            <a:r>
+              <a:rPr lang="en-US" dirty="0" err="1"/>
+              <a:t>chosenTicket</a:t>
+            </a:r>
+            <a:r>
+              <a:rPr lang="en-US" dirty="0"/>
+              <a:t>: </a:t>
+            </a:r>
+            <a:r>
+              <a:rPr lang="en-US" dirty="0" err="1"/>
+              <a:t>ko.observable</a:t>
+            </a:r>
+            <a:r>
+              <a:rPr lang="en-US" dirty="0"/>
+              <a:t>(),</a:t>
+            </a:r>
+          </a:p>
+          <a:p>
+            <a:pPr marL="0" indent="0">
+              <a:buNone/>
+            </a:pPr>
+            <a:r>
+              <a:rPr lang="en-US" dirty="0"/>
+              <a:t>	</a:t>
+            </a:r>
+            <a:r>
+              <a:rPr lang="en-US" dirty="0" err="1"/>
+              <a:t>resetTicket</a:t>
+            </a:r>
+            <a:r>
+              <a:rPr lang="en-US" dirty="0"/>
+              <a:t>: function() { </a:t>
+            </a:r>
+            <a:r>
+              <a:rPr lang="en-US" dirty="0" err="1"/>
+              <a:t>this.chosenTicket</a:t>
+            </a:r>
+            <a:r>
+              <a:rPr lang="en-US" dirty="0"/>
+              <a:t>(null) }</a:t>
+            </a:r>
+          </a:p>
+          <a:p>
+            <a:pPr marL="0" indent="0">
+              <a:buNone/>
+            </a:pPr>
+            <a:r>
+              <a:rPr lang="en-US" dirty="0"/>
+              <a:t>};</a:t>
             </a:r>
           </a:p>
         </p:txBody>
@@ -11685,7 +11680,7 @@
     </p:spTree>
     <p:extLst>
       <p:ext uri="{BB962C8B-B14F-4D97-AF65-F5344CB8AC3E}">
-        <p14:creationId xmlns:p14="http://schemas.microsoft.com/office/powerpoint/2010/main" val="3516530994"/>
+        <p14:creationId xmlns:p14="http://schemas.microsoft.com/office/powerpoint/2010/main" val="3922366123"/>
       </p:ext>
     </p:extLst>
   </p:cSld>
@@ -11738,6 +11733,197 @@
           <a:lstStyle/>
           <a:p>
             <a:r>
+              <a:rPr lang="en-US" dirty="0" err="1" smtClean="0"/>
+              <a:t>ko.utils</a:t>
+            </a:r>
+            <a:endParaRPr lang="en-US" dirty="0"/>
+          </a:p>
+        </p:txBody>
+      </p:sp>
+      <p:sp>
+        <p:nvSpPr>
+          <p:cNvPr id="3" name="Content Placeholder 2"/>
+          <p:cNvSpPr>
+            <a:spLocks noGrp="1"/>
+          </p:cNvSpPr>
+          <p:nvPr>
+            <p:ph idx="1"/>
+          </p:nvPr>
+        </p:nvSpPr>
+        <p:spPr/>
+        <p:txBody>
+          <a:bodyPr>
+            <a:normAutofit fontScale="77500" lnSpcReduction="20000"/>
+          </a:bodyPr>
+          <a:lstStyle/>
+          <a:p>
+            <a:r>
+              <a:rPr lang="en-US" dirty="0" err="1" smtClean="0"/>
+              <a:t>arrayForEach</a:t>
+            </a:r>
+            <a:endParaRPr lang="en-US" dirty="0" smtClean="0"/>
+          </a:p>
+          <a:p>
+            <a:r>
+              <a:rPr lang="en-US" dirty="0" err="1" smtClean="0"/>
+              <a:t>arrayFirst</a:t>
+            </a:r>
+            <a:endParaRPr lang="en-US" dirty="0" smtClean="0"/>
+          </a:p>
+          <a:p>
+            <a:r>
+              <a:rPr lang="en-US" dirty="0" err="1" smtClean="0"/>
+              <a:t>arrayFilter</a:t>
+            </a:r>
+            <a:endParaRPr lang="en-US" dirty="0" smtClean="0"/>
+          </a:p>
+          <a:p>
+            <a:r>
+              <a:rPr lang="en-US" dirty="0" err="1" smtClean="0"/>
+              <a:t>arrayRemoveItem</a:t>
+            </a:r>
+            <a:endParaRPr lang="en-US" dirty="0" smtClean="0"/>
+          </a:p>
+          <a:p>
+            <a:r>
+              <a:rPr lang="en-US" dirty="0" err="1" smtClean="0"/>
+              <a:t>arrayGetDistinctValues</a:t>
+            </a:r>
+            <a:endParaRPr lang="en-US" dirty="0" smtClean="0"/>
+          </a:p>
+          <a:p>
+            <a:r>
+              <a:rPr lang="en-US" dirty="0" err="1" smtClean="0"/>
+              <a:t>stringifyJson</a:t>
+            </a:r>
+            <a:endParaRPr lang="en-US" dirty="0" smtClean="0"/>
+          </a:p>
+          <a:p>
+            <a:r>
+              <a:rPr lang="en-US" dirty="0" smtClean="0"/>
+              <a:t>range</a:t>
+            </a:r>
+          </a:p>
+          <a:p>
+            <a:r>
+              <a:rPr lang="en-US" dirty="0" err="1" smtClean="0"/>
+              <a:t>parseJson</a:t>
+            </a:r>
+            <a:endParaRPr lang="en-US" dirty="0" smtClean="0"/>
+          </a:p>
+          <a:p>
+            <a:r>
+              <a:rPr lang="en-US" dirty="0" err="1" smtClean="0"/>
+              <a:t>stringTrim</a:t>
+            </a:r>
+            <a:endParaRPr lang="en-US" dirty="0" smtClean="0"/>
+          </a:p>
+          <a:p>
+            <a:r>
+              <a:rPr lang="en-US" dirty="0" err="1" smtClean="0"/>
+              <a:t>stringTokenize</a:t>
+            </a:r>
+            <a:endParaRPr lang="en-US" dirty="0" smtClean="0"/>
+          </a:p>
+          <a:p>
+            <a:r>
+              <a:rPr lang="en-US" dirty="0" err="1" smtClean="0"/>
+              <a:t>stringStartsWith</a:t>
+            </a:r>
+            <a:endParaRPr lang="en-US" dirty="0" smtClean="0"/>
+          </a:p>
+        </p:txBody>
+      </p:sp>
+      <p:sp>
+        <p:nvSpPr>
+          <p:cNvPr id="4" name="Rectangle 3"/>
+          <p:cNvSpPr/>
+          <p:nvPr/>
+        </p:nvSpPr>
+        <p:spPr>
+          <a:xfrm>
+            <a:off x="304800" y="6412468"/>
+            <a:ext cx="8610600" cy="369332"/>
+          </a:xfrm>
+          <a:prstGeom prst="rect">
+            <a:avLst/>
+          </a:prstGeom>
+        </p:spPr>
+        <p:txBody>
+          <a:bodyPr wrap="square">
+            <a:spAutoFit/>
+          </a:bodyPr>
+          <a:lstStyle/>
+          <a:p>
+            <a:r>
+              <a:rPr lang="en-US" dirty="0">
+                <a:solidFill>
+                  <a:schemeClr val="bg1">
+                    <a:lumMod val="65000"/>
+                  </a:schemeClr>
+                </a:solidFill>
+              </a:rPr>
+              <a:t>http://www.knockmeout.net/2011/04/utility-functions-in-knockoutjs.html</a:t>
+            </a:r>
+          </a:p>
+        </p:txBody>
+      </p:sp>
+    </p:spTree>
+    <p:extLst>
+      <p:ext uri="{BB962C8B-B14F-4D97-AF65-F5344CB8AC3E}">
+        <p14:creationId xmlns:p14="http://schemas.microsoft.com/office/powerpoint/2010/main" val="3516530994"/>
+      </p:ext>
+    </p:extLst>
+  </p:cSld>
+  <p:clrMapOvr>
+    <a:masterClrMapping/>
+  </p:clrMapOvr>
+  <p:transition spd="slow">
+    <p:push/>
+  </p:transition>
+  <p:timing>
+    <p:tnLst>
+      <p:par>
+        <p:cTn id="1" dur="indefinite" restart="never" nodeType="tmRoot"/>
+      </p:par>
+    </p:tnLst>
+  </p:timing>
+</p:sld>
+</file>
+
+<file path=ppt/slides/slide18.xml><?xml version="1.0" encoding="utf-8"?>
+<p:sld xmlns:a="http://schemas.openxmlformats.org/drawingml/2006/main" xmlns:r="http://schemas.openxmlformats.org/officeDocument/2006/relationships" xmlns:p="http://schemas.openxmlformats.org/presentationml/2006/main">
+  <p:cSld>
+    <p:spTree>
+      <p:nvGrpSpPr>
+        <p:cNvPr id="1" name=""/>
+        <p:cNvGrpSpPr/>
+        <p:nvPr/>
+      </p:nvGrpSpPr>
+      <p:grpSpPr>
+        <a:xfrm>
+          <a:off x="0" y="0"/>
+          <a:ext cx="0" cy="0"/>
+          <a:chOff x="0" y="0"/>
+          <a:chExt cx="0" cy="0"/>
+        </a:xfrm>
+      </p:grpSpPr>
+      <p:sp>
+        <p:nvSpPr>
+          <p:cNvPr id="2" name="Title 1"/>
+          <p:cNvSpPr>
+            <a:spLocks noGrp="1"/>
+          </p:cNvSpPr>
+          <p:nvPr>
+            <p:ph type="title"/>
+          </p:nvPr>
+        </p:nvSpPr>
+        <p:spPr/>
+        <p:txBody>
+          <a:bodyPr/>
+          <a:lstStyle/>
+          <a:p>
+            <a:r>
               <a:rPr lang="en-US" dirty="0" smtClean="0"/>
               <a:t>custom bindings</a:t>
             </a:r>
@@ -11990,7 +12176,7 @@
 </p:sld>
 </file>
 
-<file path=ppt/slides/slide18.xml><?xml version="1.0" encoding="utf-8"?>
+<file path=ppt/slides/slide19.xml><?xml version="1.0" encoding="utf-8"?>
 <p:sld xmlns:a="http://schemas.openxmlformats.org/drawingml/2006/main" xmlns:r="http://schemas.openxmlformats.org/officeDocument/2006/relationships" xmlns:p="http://schemas.openxmlformats.org/presentationml/2006/main">
   <p:cSld>
     <p:spTree>
@@ -12198,215 +12384,6 @@
 </p:sld>
 </file>
 
-<file path=ppt/slides/slide19.xml><?xml version="1.0" encoding="utf-8"?>
-<p:sld xmlns:a="http://schemas.openxmlformats.org/drawingml/2006/main" xmlns:r="http://schemas.openxmlformats.org/officeDocument/2006/relationships" xmlns:p="http://schemas.openxmlformats.org/presentationml/2006/main">
-  <p:cSld>
-    <p:spTree>
-      <p:nvGrpSpPr>
-        <p:cNvPr id="1" name=""/>
-        <p:cNvGrpSpPr/>
-        <p:nvPr/>
-      </p:nvGrpSpPr>
-      <p:grpSpPr>
-        <a:xfrm>
-          <a:off x="0" y="0"/>
-          <a:ext cx="0" cy="0"/>
-          <a:chOff x="0" y="0"/>
-          <a:chExt cx="0" cy="0"/>
-        </a:xfrm>
-      </p:grpSpPr>
-      <p:sp>
-        <p:nvSpPr>
-          <p:cNvPr id="3" name="Title 2"/>
-          <p:cNvSpPr>
-            <a:spLocks noGrp="1"/>
-          </p:cNvSpPr>
-          <p:nvPr>
-            <p:ph type="title"/>
-          </p:nvPr>
-        </p:nvSpPr>
-        <p:spPr/>
-        <p:txBody>
-          <a:bodyPr/>
-          <a:lstStyle/>
-          <a:p>
-            <a:r>
-              <a:rPr lang="en-US" dirty="0" smtClean="0"/>
-              <a:t>resources</a:t>
-            </a:r>
-            <a:endParaRPr lang="en-US" dirty="0"/>
-          </a:p>
-        </p:txBody>
-      </p:sp>
-      <p:sp>
-        <p:nvSpPr>
-          <p:cNvPr id="4" name="Content Placeholder 3"/>
-          <p:cNvSpPr>
-            <a:spLocks noGrp="1"/>
-          </p:cNvSpPr>
-          <p:nvPr>
-            <p:ph idx="1"/>
-          </p:nvPr>
-        </p:nvSpPr>
-        <p:spPr/>
-        <p:txBody>
-          <a:bodyPr>
-            <a:normAutofit/>
-          </a:bodyPr>
-          <a:lstStyle/>
-          <a:p>
-            <a:r>
-              <a:rPr lang="en-US" sz="2200" dirty="0"/>
-              <a:t>http://</a:t>
-            </a:r>
-            <a:r>
-              <a:rPr lang="en-US" sz="2200" dirty="0" smtClean="0"/>
-              <a:t>knockoutjs.com</a:t>
-            </a:r>
-          </a:p>
-          <a:p>
-            <a:r>
-              <a:rPr lang="en-US" sz="2200" dirty="0"/>
-              <a:t>http://</a:t>
-            </a:r>
-            <a:r>
-              <a:rPr lang="en-US" sz="2200" dirty="0" smtClean="0"/>
-              <a:t>www.knockmeout.net</a:t>
-            </a:r>
-          </a:p>
-          <a:p>
-            <a:pPr lvl="1"/>
-            <a:r>
-              <a:rPr lang="en-US" sz="2200" dirty="0" smtClean="0"/>
-              <a:t>Ryan Niemeyer (</a:t>
-            </a:r>
-            <a:r>
-              <a:rPr lang="en-US" sz="2200" dirty="0" err="1" smtClean="0"/>
-              <a:t>rpn</a:t>
-            </a:r>
-            <a:r>
-              <a:rPr lang="en-US" sz="2200" dirty="0" smtClean="0"/>
-              <a:t>)</a:t>
-            </a:r>
-          </a:p>
-          <a:p>
-            <a:r>
-              <a:rPr lang="en-US" sz="2200" dirty="0" smtClean="0"/>
-              <a:t>Google Group</a:t>
-            </a:r>
-          </a:p>
-          <a:p>
-            <a:pPr lvl="1"/>
-            <a:r>
-              <a:rPr lang="en-US" sz="2200" dirty="0"/>
-              <a:t>https://groups.google.com/forum/#!</a:t>
-            </a:r>
-            <a:r>
-              <a:rPr lang="en-US" sz="2200" dirty="0" smtClean="0"/>
-              <a:t>forum/knockoutjs</a:t>
-            </a:r>
-          </a:p>
-          <a:p>
-            <a:r>
-              <a:rPr lang="en-US" sz="2200" dirty="0" err="1" smtClean="0"/>
-              <a:t>javascript</a:t>
-            </a:r>
-            <a:endParaRPr lang="en-US" sz="2200" dirty="0" smtClean="0"/>
-          </a:p>
-          <a:p>
-            <a:pPr lvl="1"/>
-            <a:r>
-              <a:rPr lang="en-US" sz="2200" dirty="0" smtClean="0"/>
-              <a:t>http</a:t>
-            </a:r>
-            <a:r>
-              <a:rPr lang="en-US" sz="2200" dirty="0"/>
-              <a:t>://</a:t>
-            </a:r>
-            <a:r>
-              <a:rPr lang="en-US" sz="2200" dirty="0" smtClean="0"/>
-              <a:t>learn.appendto.com/lessons</a:t>
-            </a:r>
-          </a:p>
-          <a:p>
-            <a:pPr lvl="1"/>
-            <a:r>
-              <a:rPr lang="en-US" sz="2200" dirty="0" err="1" smtClean="0"/>
-              <a:t>javascript</a:t>
-            </a:r>
-            <a:r>
-              <a:rPr lang="en-US" sz="2200" dirty="0" smtClean="0"/>
-              <a:t> The Good Parts</a:t>
-            </a:r>
-          </a:p>
-          <a:p>
-            <a:pPr lvl="2"/>
-            <a:r>
-              <a:rPr lang="en-US" sz="2200" dirty="0" smtClean="0"/>
-              <a:t>Douglas </a:t>
-            </a:r>
-            <a:r>
-              <a:rPr lang="en-US" sz="2200" dirty="0" err="1" smtClean="0"/>
-              <a:t>Crockford</a:t>
-            </a:r>
-            <a:endParaRPr lang="en-US" sz="2200" dirty="0" smtClean="0"/>
-          </a:p>
-          <a:p>
-            <a:pPr lvl="1"/>
-            <a:r>
-              <a:rPr lang="en-US" sz="2200" dirty="0" err="1" smtClean="0"/>
-              <a:t>javascript</a:t>
-            </a:r>
-            <a:r>
-              <a:rPr lang="en-US" sz="2200" dirty="0" smtClean="0"/>
-              <a:t> Patterns</a:t>
-            </a:r>
-          </a:p>
-          <a:p>
-            <a:pPr lvl="2"/>
-            <a:r>
-              <a:rPr lang="en-US" sz="2200" dirty="0" err="1" smtClean="0"/>
-              <a:t>Stoyan</a:t>
-            </a:r>
-            <a:r>
-              <a:rPr lang="en-US" sz="2200" dirty="0" smtClean="0"/>
-              <a:t> </a:t>
-            </a:r>
-            <a:r>
-              <a:rPr lang="en-US" sz="2200" dirty="0" err="1" smtClean="0"/>
-              <a:t>Stefanov</a:t>
-            </a:r>
-            <a:endParaRPr lang="en-US" sz="2200" dirty="0" smtClean="0"/>
-          </a:p>
-          <a:p>
-            <a:pPr lvl="2"/>
-            <a:endParaRPr lang="en-US" sz="2200" dirty="0" smtClean="0"/>
-          </a:p>
-        </p:txBody>
-      </p:sp>
-    </p:spTree>
-    <p:extLst>
-      <p:ext uri="{BB962C8B-B14F-4D97-AF65-F5344CB8AC3E}">
-        <p14:creationId xmlns:p14="http://schemas.microsoft.com/office/powerpoint/2010/main" val="3928296184"/>
-      </p:ext>
-    </p:extLst>
-  </p:cSld>
-  <p:clrMapOvr>
-    <a:masterClrMapping/>
-  </p:clrMapOvr>
-  <p:transition spd="slow">
-    <p:push/>
-  </p:transition>
-  <p:timing>
-    <p:tnLst>
-      <p:par>
-        <p:cTn id="1" dur="indefinite" restart="never" nodeType="tmRoot"/>
-      </p:par>
-    </p:tnLst>
-  </p:timing>
-</p:sld>
-</file>
-
 <file path=ppt/slides/slide2.xml><?xml version="1.0" encoding="utf-8"?>
 <p:sld xmlns:a="http://schemas.openxmlformats.org/drawingml/2006/main" xmlns:r="http://schemas.openxmlformats.org/officeDocument/2006/relationships" xmlns:p="http://schemas.openxmlformats.org/presentationml/2006/main">
   <p:cSld>
@@ -12550,6 +12527,215 @@
       </p:grpSpPr>
       <p:sp>
         <p:nvSpPr>
+          <p:cNvPr id="3" name="Title 2"/>
+          <p:cNvSpPr>
+            <a:spLocks noGrp="1"/>
+          </p:cNvSpPr>
+          <p:nvPr>
+            <p:ph type="title"/>
+          </p:nvPr>
+        </p:nvSpPr>
+        <p:spPr/>
+        <p:txBody>
+          <a:bodyPr/>
+          <a:lstStyle/>
+          <a:p>
+            <a:r>
+              <a:rPr lang="en-US" dirty="0" smtClean="0"/>
+              <a:t>resources</a:t>
+            </a:r>
+            <a:endParaRPr lang="en-US" dirty="0"/>
+          </a:p>
+        </p:txBody>
+      </p:sp>
+      <p:sp>
+        <p:nvSpPr>
+          <p:cNvPr id="4" name="Content Placeholder 3"/>
+          <p:cNvSpPr>
+            <a:spLocks noGrp="1"/>
+          </p:cNvSpPr>
+          <p:nvPr>
+            <p:ph idx="1"/>
+          </p:nvPr>
+        </p:nvSpPr>
+        <p:spPr/>
+        <p:txBody>
+          <a:bodyPr>
+            <a:normAutofit/>
+          </a:bodyPr>
+          <a:lstStyle/>
+          <a:p>
+            <a:r>
+              <a:rPr lang="en-US" sz="2200" dirty="0"/>
+              <a:t>http://</a:t>
+            </a:r>
+            <a:r>
+              <a:rPr lang="en-US" sz="2200" dirty="0" smtClean="0"/>
+              <a:t>knockoutjs.com</a:t>
+            </a:r>
+          </a:p>
+          <a:p>
+            <a:r>
+              <a:rPr lang="en-US" sz="2200" dirty="0"/>
+              <a:t>http://</a:t>
+            </a:r>
+            <a:r>
+              <a:rPr lang="en-US" sz="2200" dirty="0" smtClean="0"/>
+              <a:t>www.knockmeout.net</a:t>
+            </a:r>
+          </a:p>
+          <a:p>
+            <a:pPr lvl="1"/>
+            <a:r>
+              <a:rPr lang="en-US" sz="2200" dirty="0" smtClean="0"/>
+              <a:t>Ryan Niemeyer (</a:t>
+            </a:r>
+            <a:r>
+              <a:rPr lang="en-US" sz="2200" dirty="0" err="1" smtClean="0"/>
+              <a:t>rpn</a:t>
+            </a:r>
+            <a:r>
+              <a:rPr lang="en-US" sz="2200" dirty="0" smtClean="0"/>
+              <a:t>)</a:t>
+            </a:r>
+          </a:p>
+          <a:p>
+            <a:r>
+              <a:rPr lang="en-US" sz="2200" dirty="0" smtClean="0"/>
+              <a:t>Google Group</a:t>
+            </a:r>
+          </a:p>
+          <a:p>
+            <a:pPr lvl="1"/>
+            <a:r>
+              <a:rPr lang="en-US" sz="2200" dirty="0"/>
+              <a:t>https://groups.google.com/forum/#!</a:t>
+            </a:r>
+            <a:r>
+              <a:rPr lang="en-US" sz="2200" dirty="0" smtClean="0"/>
+              <a:t>forum/knockoutjs</a:t>
+            </a:r>
+          </a:p>
+          <a:p>
+            <a:r>
+              <a:rPr lang="en-US" sz="2200" dirty="0" err="1" smtClean="0"/>
+              <a:t>javascript</a:t>
+            </a:r>
+            <a:endParaRPr lang="en-US" sz="2200" dirty="0" smtClean="0"/>
+          </a:p>
+          <a:p>
+            <a:pPr lvl="1"/>
+            <a:r>
+              <a:rPr lang="en-US" sz="2200" dirty="0" smtClean="0"/>
+              <a:t>http</a:t>
+            </a:r>
+            <a:r>
+              <a:rPr lang="en-US" sz="2200" dirty="0"/>
+              <a:t>://</a:t>
+            </a:r>
+            <a:r>
+              <a:rPr lang="en-US" sz="2200" dirty="0" smtClean="0"/>
+              <a:t>learn.appendto.com/lessons</a:t>
+            </a:r>
+          </a:p>
+          <a:p>
+            <a:pPr lvl="1"/>
+            <a:r>
+              <a:rPr lang="en-US" sz="2200" dirty="0" err="1" smtClean="0"/>
+              <a:t>javascript</a:t>
+            </a:r>
+            <a:r>
+              <a:rPr lang="en-US" sz="2200" dirty="0" smtClean="0"/>
+              <a:t> The Good Parts</a:t>
+            </a:r>
+          </a:p>
+          <a:p>
+            <a:pPr lvl="2"/>
+            <a:r>
+              <a:rPr lang="en-US" sz="2200" dirty="0" smtClean="0"/>
+              <a:t>Douglas </a:t>
+            </a:r>
+            <a:r>
+              <a:rPr lang="en-US" sz="2200" dirty="0" err="1" smtClean="0"/>
+              <a:t>Crockford</a:t>
+            </a:r>
+            <a:endParaRPr lang="en-US" sz="2200" dirty="0" smtClean="0"/>
+          </a:p>
+          <a:p>
+            <a:pPr lvl="1"/>
+            <a:r>
+              <a:rPr lang="en-US" sz="2200" dirty="0" err="1" smtClean="0"/>
+              <a:t>javascript</a:t>
+            </a:r>
+            <a:r>
+              <a:rPr lang="en-US" sz="2200" dirty="0" smtClean="0"/>
+              <a:t> Patterns</a:t>
+            </a:r>
+          </a:p>
+          <a:p>
+            <a:pPr lvl="2"/>
+            <a:r>
+              <a:rPr lang="en-US" sz="2200" dirty="0" err="1" smtClean="0"/>
+              <a:t>Stoyan</a:t>
+            </a:r>
+            <a:r>
+              <a:rPr lang="en-US" sz="2200" dirty="0" smtClean="0"/>
+              <a:t> </a:t>
+            </a:r>
+            <a:r>
+              <a:rPr lang="en-US" sz="2200" dirty="0" err="1" smtClean="0"/>
+              <a:t>Stefanov</a:t>
+            </a:r>
+            <a:endParaRPr lang="en-US" sz="2200" dirty="0" smtClean="0"/>
+          </a:p>
+          <a:p>
+            <a:pPr lvl="2"/>
+            <a:endParaRPr lang="en-US" sz="2200" dirty="0" smtClean="0"/>
+          </a:p>
+        </p:txBody>
+      </p:sp>
+    </p:spTree>
+    <p:extLst>
+      <p:ext uri="{BB962C8B-B14F-4D97-AF65-F5344CB8AC3E}">
+        <p14:creationId xmlns:p14="http://schemas.microsoft.com/office/powerpoint/2010/main" val="3928296184"/>
+      </p:ext>
+    </p:extLst>
+  </p:cSld>
+  <p:clrMapOvr>
+    <a:masterClrMapping/>
+  </p:clrMapOvr>
+  <p:transition spd="slow">
+    <p:push/>
+  </p:transition>
+  <p:timing>
+    <p:tnLst>
+      <p:par>
+        <p:cTn id="1" dur="indefinite" restart="never" nodeType="tmRoot"/>
+      </p:par>
+    </p:tnLst>
+  </p:timing>
+</p:sld>
+</file>
+
+<file path=ppt/slides/slide21.xml><?xml version="1.0" encoding="utf-8"?>
+<p:sld xmlns:a="http://schemas.openxmlformats.org/drawingml/2006/main" xmlns:r="http://schemas.openxmlformats.org/officeDocument/2006/relationships" xmlns:p="http://schemas.openxmlformats.org/presentationml/2006/main">
+  <p:cSld>
+    <p:spTree>
+      <p:nvGrpSpPr>
+        <p:cNvPr id="1" name=""/>
+        <p:cNvGrpSpPr/>
+        <p:nvPr/>
+      </p:nvGrpSpPr>
+      <p:grpSpPr>
+        <a:xfrm>
+          <a:off x="0" y="0"/>
+          <a:ext cx="0" cy="0"/>
+          <a:chOff x="0" y="0"/>
+          <a:chExt cx="0" cy="0"/>
+        </a:xfrm>
+      </p:grpSpPr>
+      <p:sp>
+        <p:nvSpPr>
           <p:cNvPr id="5" name="Subtitle 4"/>
           <p:cNvSpPr>
             <a:spLocks noGrp="1"/>
@@ -12720,7 +12906,7 @@
           <a:p>
             <a:r>
               <a:rPr lang="en-US" dirty="0" smtClean="0"/>
-              <a:t>what is knockout?</a:t>
+              <a:t>demos + slides</a:t>
             </a:r>
             <a:endParaRPr lang="en-US" dirty="0"/>
           </a:p>
@@ -12738,78 +12924,53 @@
         </p:nvSpPr>
         <p:spPr/>
         <p:txBody>
-          <a:bodyPr>
-            <a:normAutofit fontScale="92500" lnSpcReduction="10000"/>
-          </a:bodyPr>
+          <a:bodyPr/>
           <a:lstStyle/>
           <a:p>
             <a:r>
+              <a:rPr lang="en-US" dirty="0"/>
+              <a:t>https://</a:t>
+            </a:r>
+            <a:r>
               <a:rPr lang="en-US" dirty="0" smtClean="0"/>
-              <a:t>Open source </a:t>
+              <a:t>github.com/joemcbride</a:t>
+            </a:r>
+          </a:p>
+          <a:p>
+            <a:pPr lvl="1"/>
+            <a:r>
+              <a:rPr lang="en-US" dirty="0" smtClean="0"/>
+              <a:t>knockout-presentation</a:t>
+            </a:r>
+          </a:p>
+          <a:p>
+            <a:pPr lvl="1"/>
+            <a:r>
+              <a:rPr lang="en-US" dirty="0" smtClean="0"/>
+              <a:t>knockout-</a:t>
             </a:r>
             <a:r>
               <a:rPr lang="en-US" dirty="0" err="1" smtClean="0"/>
-              <a:t>javascript</a:t>
-            </a:r>
+              <a:t>sampleapp</a:t>
+            </a:r>
+            <a:endParaRPr lang="en-US" dirty="0" smtClean="0"/>
+          </a:p>
+          <a:p>
+            <a:r>
+              <a:rPr lang="en-US" dirty="0" err="1" smtClean="0"/>
+              <a:t>Todo</a:t>
+            </a:r>
+            <a:endParaRPr lang="en-US" dirty="0" smtClean="0"/>
+          </a:p>
+          <a:p>
+            <a:pPr lvl="1"/>
             <a:r>
               <a:rPr lang="en-US" dirty="0" smtClean="0"/>
-              <a:t> library (MIT license)</a:t>
-            </a:r>
-          </a:p>
-          <a:p>
-            <a:pPr lvl="1"/>
-            <a:r>
-              <a:rPr lang="en-US" dirty="0" smtClean="0"/>
-              <a:t>Source is available on </a:t>
-            </a:r>
-            <a:r>
-              <a:rPr lang="en-US" dirty="0" err="1" smtClean="0"/>
-              <a:t>github</a:t>
-            </a:r>
-            <a:endParaRPr lang="en-US" dirty="0" smtClean="0"/>
-          </a:p>
-          <a:p>
-            <a:r>
-              <a:rPr lang="en-US" dirty="0" smtClean="0"/>
-              <a:t>Roughly 16 months old</a:t>
-            </a:r>
-          </a:p>
-          <a:p>
-            <a:r>
-              <a:rPr lang="en-US" dirty="0" smtClean="0"/>
-              <a:t>Created by Steve Sanderson</a:t>
-            </a:r>
-          </a:p>
-          <a:p>
-            <a:r>
-              <a:rPr lang="en-US" dirty="0" smtClean="0"/>
-              <a:t>Community project, not run by Microsoft</a:t>
-            </a:r>
-          </a:p>
-          <a:p>
-            <a:r>
-              <a:rPr lang="en-US" dirty="0" smtClean="0"/>
-              <a:t>Does not depend on </a:t>
-            </a:r>
-            <a:r>
-              <a:rPr lang="en-US" dirty="0" err="1" smtClean="0"/>
-              <a:t>jQuery</a:t>
-            </a:r>
-            <a:r>
-              <a:rPr lang="en-US" dirty="0" smtClean="0"/>
-              <a:t>, though works well together</a:t>
-            </a:r>
-          </a:p>
-          <a:p>
-            <a:endParaRPr lang="en-US" dirty="0"/>
-          </a:p>
-          <a:p>
-            <a:pPr marL="0" indent="0">
-              <a:buNone/>
-            </a:pPr>
-            <a:r>
-              <a:rPr lang="en-US" dirty="0" smtClean="0"/>
-              <a:t>	http://knockoutjs.com</a:t>
+              <a:t>https</a:t>
+            </a:r>
+            <a:r>
+              <a:rPr lang="en-US" dirty="0"/>
+              <a:t>://github.com/ashish01/knockoutjs-todos</a:t>
             </a:r>
           </a:p>
         </p:txBody>
@@ -12817,7 +12978,7 @@
     </p:spTree>
     <p:extLst>
       <p:ext uri="{BB962C8B-B14F-4D97-AF65-F5344CB8AC3E}">
-        <p14:creationId xmlns:p14="http://schemas.microsoft.com/office/powerpoint/2010/main" val="2220707695"/>
+        <p14:creationId xmlns:p14="http://schemas.microsoft.com/office/powerpoint/2010/main" val="860414800"/>
       </p:ext>
     </p:extLst>
   </p:cSld>
@@ -12871,6 +13032,157 @@
           <a:p>
             <a:r>
               <a:rPr lang="en-US" dirty="0" smtClean="0"/>
+              <a:t>what is knockout?</a:t>
+            </a:r>
+            <a:endParaRPr lang="en-US" dirty="0"/>
+          </a:p>
+        </p:txBody>
+      </p:sp>
+      <p:sp>
+        <p:nvSpPr>
+          <p:cNvPr id="3" name="Content Placeholder 2"/>
+          <p:cNvSpPr>
+            <a:spLocks noGrp="1"/>
+          </p:cNvSpPr>
+          <p:nvPr>
+            <p:ph idx="1"/>
+          </p:nvPr>
+        </p:nvSpPr>
+        <p:spPr/>
+        <p:txBody>
+          <a:bodyPr>
+            <a:normAutofit fontScale="92500" lnSpcReduction="10000"/>
+          </a:bodyPr>
+          <a:lstStyle/>
+          <a:p>
+            <a:r>
+              <a:rPr lang="en-US" dirty="0" smtClean="0"/>
+              <a:t>Open source </a:t>
+            </a:r>
+            <a:r>
+              <a:rPr lang="en-US" dirty="0" err="1" smtClean="0"/>
+              <a:t>javascript</a:t>
+            </a:r>
+            <a:r>
+              <a:rPr lang="en-US" dirty="0" smtClean="0"/>
+              <a:t> library (MIT license)</a:t>
+            </a:r>
+          </a:p>
+          <a:p>
+            <a:pPr lvl="1"/>
+            <a:r>
+              <a:rPr lang="en-US" dirty="0" smtClean="0"/>
+              <a:t>Source is available on </a:t>
+            </a:r>
+            <a:r>
+              <a:rPr lang="en-US" dirty="0" err="1" smtClean="0"/>
+              <a:t>github</a:t>
+            </a:r>
+            <a:endParaRPr lang="en-US" dirty="0" smtClean="0"/>
+          </a:p>
+          <a:p>
+            <a:r>
+              <a:rPr lang="en-US" dirty="0" smtClean="0"/>
+              <a:t>Roughly 16 months old</a:t>
+            </a:r>
+          </a:p>
+          <a:p>
+            <a:r>
+              <a:rPr lang="en-US" dirty="0" smtClean="0"/>
+              <a:t>Created by Steve Sanderson</a:t>
+            </a:r>
+          </a:p>
+          <a:p>
+            <a:r>
+              <a:rPr lang="en-US" dirty="0" smtClean="0"/>
+              <a:t>Community project, not run by Microsoft</a:t>
+            </a:r>
+          </a:p>
+          <a:p>
+            <a:r>
+              <a:rPr lang="en-US" dirty="0" smtClean="0"/>
+              <a:t>Does not depend on </a:t>
+            </a:r>
+            <a:r>
+              <a:rPr lang="en-US" dirty="0" err="1" smtClean="0"/>
+              <a:t>jQuery</a:t>
+            </a:r>
+            <a:r>
+              <a:rPr lang="en-US" dirty="0" smtClean="0"/>
+              <a:t>, though works well together</a:t>
+            </a:r>
+          </a:p>
+          <a:p>
+            <a:endParaRPr lang="en-US" dirty="0"/>
+          </a:p>
+          <a:p>
+            <a:pPr marL="0" indent="0">
+              <a:buNone/>
+            </a:pPr>
+            <a:r>
+              <a:rPr lang="en-US" dirty="0" smtClean="0"/>
+              <a:t>	http://knockoutjs.com</a:t>
+            </a:r>
+          </a:p>
+        </p:txBody>
+      </p:sp>
+    </p:spTree>
+    <p:extLst>
+      <p:ext uri="{BB962C8B-B14F-4D97-AF65-F5344CB8AC3E}">
+        <p14:creationId xmlns:p14="http://schemas.microsoft.com/office/powerpoint/2010/main" val="2220707695"/>
+      </p:ext>
+    </p:extLst>
+  </p:cSld>
+  <p:clrMapOvr>
+    <a:masterClrMapping/>
+  </p:clrMapOvr>
+  <p:transition spd="slow">
+    <p:push/>
+  </p:transition>
+  <p:timing>
+    <p:tnLst>
+      <p:par>
+        <p:cTn id="1" dur="indefinite" restart="never" nodeType="tmRoot"/>
+      </p:par>
+    </p:tnLst>
+  </p:timing>
+</p:sld>
+</file>
+
+<file path=ppt/slides/slide5.xml><?xml version="1.0" encoding="utf-8"?>
+<p:sld xmlns:a="http://schemas.openxmlformats.org/drawingml/2006/main" xmlns:r="http://schemas.openxmlformats.org/officeDocument/2006/relationships" xmlns:p="http://schemas.openxmlformats.org/presentationml/2006/main">
+  <p:cSld>
+    <p:spTree>
+      <p:nvGrpSpPr>
+        <p:cNvPr id="1" name=""/>
+        <p:cNvGrpSpPr/>
+        <p:nvPr/>
+      </p:nvGrpSpPr>
+      <p:grpSpPr>
+        <a:xfrm>
+          <a:off x="0" y="0"/>
+          <a:ext cx="0" cy="0"/>
+          <a:chOff x="0" y="0"/>
+          <a:chExt cx="0" cy="0"/>
+        </a:xfrm>
+      </p:grpSpPr>
+      <p:sp>
+        <p:nvSpPr>
+          <p:cNvPr id="2" name="Title 1"/>
+          <p:cNvSpPr>
+            <a:spLocks noGrp="1"/>
+          </p:cNvSpPr>
+          <p:nvPr>
+            <p:ph type="title"/>
+          </p:nvPr>
+        </p:nvSpPr>
+        <p:spPr/>
+        <p:txBody>
+          <a:bodyPr/>
+          <a:lstStyle/>
+          <a:p>
+            <a:r>
+              <a:rPr lang="en-US" dirty="0" smtClean="0"/>
               <a:t>why knockout?</a:t>
             </a:r>
             <a:endParaRPr lang="en-US" dirty="0"/>
@@ -12973,7 +13285,7 @@
 </p:sld>
 </file>
 
-<file path=ppt/slides/slide5.xml><?xml version="1.0" encoding="utf-8"?>
+<file path=ppt/slides/slide6.xml><?xml version="1.0" encoding="utf-8"?>
 <p:sld xmlns:a="http://schemas.openxmlformats.org/drawingml/2006/main" xmlns:r="http://schemas.openxmlformats.org/officeDocument/2006/relationships" xmlns:p="http://schemas.openxmlformats.org/presentationml/2006/main">
   <p:cSld>
     <p:spTree>
@@ -13181,209 +13493,6 @@
 </p:sld>
 </file>
 
-<file path=ppt/slides/slide6.xml><?xml version="1.0" encoding="utf-8"?>
-<p:sld xmlns:a="http://schemas.openxmlformats.org/drawingml/2006/main" xmlns:r="http://schemas.openxmlformats.org/officeDocument/2006/relationships" xmlns:p="http://schemas.openxmlformats.org/presentationml/2006/main">
-  <p:cSld>
-    <p:spTree>
-      <p:nvGrpSpPr>
-        <p:cNvPr id="1" name=""/>
-        <p:cNvGrpSpPr/>
-        <p:nvPr/>
-      </p:nvGrpSpPr>
-      <p:grpSpPr>
-        <a:xfrm>
-          <a:off x="0" y="0"/>
-          <a:ext cx="0" cy="0"/>
-          <a:chOff x="0" y="0"/>
-          <a:chExt cx="0" cy="0"/>
-        </a:xfrm>
-      </p:grpSpPr>
-      <p:sp>
-        <p:nvSpPr>
-          <p:cNvPr id="3" name="Title 2"/>
-          <p:cNvSpPr>
-            <a:spLocks noGrp="1"/>
-          </p:cNvSpPr>
-          <p:nvPr>
-            <p:ph type="title"/>
-          </p:nvPr>
-        </p:nvSpPr>
-        <p:spPr/>
-        <p:txBody>
-          <a:bodyPr/>
-          <a:lstStyle/>
-          <a:p>
-            <a:r>
-              <a:rPr lang="en-US" dirty="0" smtClean="0"/>
-              <a:t>manual change subscriptions</a:t>
-            </a:r>
-            <a:endParaRPr lang="en-US" dirty="0"/>
-          </a:p>
-        </p:txBody>
-      </p:sp>
-      <p:sp>
-        <p:nvSpPr>
-          <p:cNvPr id="4" name="Content Placeholder 3"/>
-          <p:cNvSpPr>
-            <a:spLocks noGrp="1"/>
-          </p:cNvSpPr>
-          <p:nvPr>
-            <p:ph idx="1"/>
-          </p:nvPr>
-        </p:nvSpPr>
-        <p:spPr/>
-        <p:txBody>
-          <a:bodyPr>
-            <a:normAutofit fontScale="92500" lnSpcReduction="20000"/>
-          </a:bodyPr>
-          <a:lstStyle/>
-          <a:p>
-            <a:pPr marL="0" indent="0">
-              <a:buNone/>
-            </a:pPr>
-            <a:r>
-              <a:rPr lang="en-US" dirty="0" err="1" smtClean="0"/>
-              <a:t>canEdit</a:t>
-            </a:r>
-            <a:r>
-              <a:rPr lang="en-US" dirty="0"/>
-              <a:t>: </a:t>
-            </a:r>
-            <a:r>
-              <a:rPr lang="en-US" dirty="0" err="1"/>
-              <a:t>ko.observable</a:t>
-            </a:r>
-            <a:r>
-              <a:rPr lang="en-US" dirty="0"/>
-              <a:t>(false</a:t>
-            </a:r>
-            <a:r>
-              <a:rPr lang="en-US" dirty="0" smtClean="0"/>
-              <a:t>)</a:t>
-            </a:r>
-          </a:p>
-          <a:p>
-            <a:pPr marL="0" indent="0">
-              <a:buNone/>
-            </a:pPr>
-            <a:endParaRPr lang="en-US" dirty="0"/>
-          </a:p>
-          <a:p>
-            <a:pPr marL="0" indent="0">
-              <a:buNone/>
-            </a:pPr>
-            <a:r>
-              <a:rPr lang="en-US" dirty="0" err="1" smtClean="0"/>
-              <a:t>canEdit.subscribe</a:t>
-            </a:r>
-            <a:r>
-              <a:rPr lang="en-US" dirty="0" smtClean="0"/>
-              <a:t>(function </a:t>
-            </a:r>
-            <a:r>
-              <a:rPr lang="en-US" dirty="0"/>
-              <a:t>(</a:t>
-            </a:r>
-            <a:r>
-              <a:rPr lang="en-US" dirty="0" err="1"/>
-              <a:t>newValue</a:t>
-            </a:r>
-            <a:r>
-              <a:rPr lang="en-US" dirty="0"/>
-              <a:t>) {</a:t>
-            </a:r>
-          </a:p>
-          <a:p>
-            <a:pPr marL="0" indent="0">
-              <a:buNone/>
-            </a:pPr>
-            <a:endParaRPr lang="en-US" dirty="0"/>
-          </a:p>
-          <a:p>
-            <a:pPr marL="0" indent="0">
-              <a:buNone/>
-            </a:pPr>
-            <a:r>
-              <a:rPr lang="en-US" dirty="0"/>
-              <a:t>	if (</a:t>
-            </a:r>
-            <a:r>
-              <a:rPr lang="en-US" dirty="0" err="1"/>
-              <a:t>newValue</a:t>
-            </a:r>
-            <a:r>
-              <a:rPr lang="en-US" dirty="0"/>
-              <a:t>) {</a:t>
-            </a:r>
-          </a:p>
-          <a:p>
-            <a:pPr marL="0" indent="0">
-              <a:buNone/>
-            </a:pPr>
-            <a:endParaRPr lang="en-US" dirty="0"/>
-          </a:p>
-          <a:p>
-            <a:pPr marL="0" indent="0">
-              <a:buNone/>
-            </a:pPr>
-            <a:r>
-              <a:rPr lang="en-US" dirty="0"/>
-              <a:t>	</a:t>
-            </a:r>
-            <a:r>
-              <a:rPr lang="en-US" dirty="0" smtClean="0"/>
-              <a:t>	// do something</a:t>
-            </a:r>
-            <a:endParaRPr lang="en-US" dirty="0"/>
-          </a:p>
-          <a:p>
-            <a:pPr marL="0" indent="0">
-              <a:buNone/>
-            </a:pPr>
-            <a:r>
-              <a:rPr lang="en-US" dirty="0"/>
-              <a:t>	</a:t>
-            </a:r>
-            <a:r>
-              <a:rPr lang="en-US" dirty="0" smtClean="0"/>
-              <a:t>}</a:t>
-            </a:r>
-          </a:p>
-          <a:p>
-            <a:pPr marL="0" indent="0">
-              <a:buNone/>
-            </a:pPr>
-            <a:r>
-              <a:rPr lang="en-US" dirty="0" smtClean="0"/>
-              <a:t>});</a:t>
-            </a:r>
-            <a:endParaRPr lang="en-US" dirty="0"/>
-          </a:p>
-        </p:txBody>
-      </p:sp>
-    </p:spTree>
-    <p:extLst>
-      <p:ext uri="{BB962C8B-B14F-4D97-AF65-F5344CB8AC3E}">
-        <p14:creationId xmlns:p14="http://schemas.microsoft.com/office/powerpoint/2010/main" val="35874040"/>
-      </p:ext>
-    </p:extLst>
-  </p:cSld>
-  <p:clrMapOvr>
-    <a:masterClrMapping/>
-  </p:clrMapOvr>
-  <p:transition spd="slow">
-    <p:push/>
-  </p:transition>
-  <p:timing>
-    <p:tnLst>
-      <p:par>
-        <p:cTn id="1" dur="indefinite" restart="never" nodeType="tmRoot"/>
-      </p:par>
-    </p:tnLst>
-  </p:timing>
-</p:sld>
-</file>
-
 <file path=ppt/slides/slide7.xml><?xml version="1.0" encoding="utf-8"?>
 <p:sld xmlns:a="http://schemas.openxmlformats.org/drawingml/2006/main" xmlns:r="http://schemas.openxmlformats.org/officeDocument/2006/relationships" xmlns:p="http://schemas.openxmlformats.org/presentationml/2006/main">
   <p:cSld>
@@ -13403,7 +13512,7 @@
       </p:grpSpPr>
       <p:sp>
         <p:nvSpPr>
-          <p:cNvPr id="2" name="Title 1"/>
+          <p:cNvPr id="3" name="Title 2"/>
           <p:cNvSpPr>
             <a:spLocks noGrp="1"/>
           </p:cNvSpPr>
@@ -13418,7 +13527,7 @@
           <a:p>
             <a:r>
               <a:rPr lang="en-US" dirty="0" smtClean="0"/>
-              <a:t>templates</a:t>
+              <a:t>manual change subscriptions</a:t>
             </a:r>
             <a:endParaRPr lang="en-US" dirty="0"/>
           </a:p>
@@ -13426,7 +13535,7 @@
       </p:sp>
       <p:sp>
         <p:nvSpPr>
-          <p:cNvPr id="3" name="Content Placeholder 2"/>
+          <p:cNvPr id="4" name="Content Placeholder 3"/>
           <p:cNvSpPr>
             <a:spLocks noGrp="1"/>
           </p:cNvSpPr>
@@ -13436,120 +13545,138 @@
         </p:nvSpPr>
         <p:spPr/>
         <p:txBody>
-          <a:bodyPr/>
-          <a:lstStyle/>
-          <a:p>
-            <a:r>
-              <a:rPr lang="en-US" dirty="0" smtClean="0"/>
-              <a:t>Can be nested</a:t>
-            </a:r>
-          </a:p>
-          <a:p>
-            <a:r>
-              <a:rPr lang="en-US" dirty="0" smtClean="0"/>
-              <a:t>KO renders whole template with ${ </a:t>
-            </a:r>
-            <a:r>
-              <a:rPr lang="en-US" dirty="0" err="1" smtClean="0"/>
-              <a:t>val</a:t>
-            </a:r>
-            <a:r>
-              <a:rPr lang="en-US" dirty="0" smtClean="0"/>
-              <a:t> }</a:t>
-            </a:r>
-          </a:p>
-          <a:p>
-            <a:r>
-              <a:rPr lang="en-US" dirty="0" err="1" smtClean="0"/>
-              <a:t>foreach</a:t>
-            </a:r>
-            <a:endParaRPr lang="en-US" dirty="0" smtClean="0"/>
-          </a:p>
-          <a:p>
-            <a:r>
-              <a:rPr lang="en-US" dirty="0" err="1" smtClean="0"/>
-              <a:t>afterRender</a:t>
-            </a:r>
-            <a:endParaRPr lang="en-US" dirty="0" smtClean="0"/>
-          </a:p>
-          <a:p>
-            <a:r>
-              <a:rPr lang="en-US" dirty="0" err="1" smtClean="0"/>
-              <a:t>templateOptions</a:t>
-            </a:r>
-            <a:endParaRPr lang="en-US" dirty="0" smtClean="0"/>
-          </a:p>
-          <a:p>
-            <a:pPr lvl="1"/>
-            <a:r>
-              <a:rPr lang="en-US" dirty="0" smtClean="0"/>
-              <a:t>Provide additional data</a:t>
-            </a:r>
-          </a:p>
-          <a:p>
-            <a:r>
-              <a:rPr lang="en-US" dirty="0" smtClean="0"/>
-              <a:t>Can use a custom template engine</a:t>
-            </a:r>
-            <a:endParaRPr lang="en-US" dirty="0"/>
-          </a:p>
-        </p:txBody>
-      </p:sp>
-      <p:sp>
-        <p:nvSpPr>
-          <p:cNvPr id="4" name="Rectangle 3"/>
-          <p:cNvSpPr/>
-          <p:nvPr/>
-        </p:nvSpPr>
-        <p:spPr>
-          <a:xfrm>
-            <a:off x="304800" y="6412468"/>
-            <a:ext cx="8610600" cy="369332"/>
-          </a:xfrm>
-          <a:prstGeom prst="rect">
-            <a:avLst/>
-          </a:prstGeom>
-        </p:spPr>
-        <p:txBody>
-          <a:bodyPr wrap="square">
-            <a:spAutoFit/>
+          <a:bodyPr>
+            <a:normAutofit fontScale="92500" lnSpcReduction="20000"/>
           </a:bodyPr>
           <a:lstStyle/>
           <a:p>
-            <a:r>
-              <a:rPr lang="en-US" dirty="0">
-                <a:solidFill>
-                  <a:schemeClr val="bg1">
-                    <a:lumMod val="65000"/>
-                  </a:schemeClr>
-                </a:solidFill>
-              </a:rPr>
-              <a:t>http://</a:t>
-            </a:r>
-            <a:r>
-              <a:rPr lang="en-US" dirty="0" smtClean="0">
-                <a:solidFill>
-                  <a:schemeClr val="bg1">
-                    <a:lumMod val="65000"/>
-                  </a:schemeClr>
-                </a:solidFill>
-              </a:rPr>
-              <a:t>knockoutjs.com/documentation/template-binding.html</a:t>
-            </a:r>
-            <a:endParaRPr lang="en-US" dirty="0">
-              <a:solidFill>
-                <a:schemeClr val="bg1">
-                  <a:lumMod val="65000"/>
-                </a:schemeClr>
-              </a:solidFill>
-            </a:endParaRPr>
+            <a:pPr marL="0" indent="0">
+              <a:buNone/>
+            </a:pPr>
+            <a:r>
+              <a:rPr lang="en-US" dirty="0" err="1" smtClean="0"/>
+              <a:t>canEdit</a:t>
+            </a:r>
+            <a:r>
+              <a:rPr lang="en-US" dirty="0"/>
+              <a:t>: </a:t>
+            </a:r>
+            <a:r>
+              <a:rPr lang="en-US" dirty="0" err="1"/>
+              <a:t>ko.observable</a:t>
+            </a:r>
+            <a:r>
+              <a:rPr lang="en-US" dirty="0"/>
+              <a:t>(false</a:t>
+            </a:r>
+            <a:r>
+              <a:rPr lang="en-US" dirty="0" smtClean="0"/>
+              <a:t>)</a:t>
+            </a:r>
+          </a:p>
+          <a:p>
+            <a:pPr marL="0" indent="0">
+              <a:buNone/>
+            </a:pPr>
+            <a:endParaRPr lang="en-US" dirty="0"/>
+          </a:p>
+          <a:p>
+            <a:pPr marL="0" indent="0">
+              <a:buNone/>
+            </a:pPr>
+            <a:r>
+              <a:rPr lang="en-US" dirty="0" err="1" smtClean="0"/>
+              <a:t>canEdit.subscribe</a:t>
+            </a:r>
+            <a:r>
+              <a:rPr lang="en-US" dirty="0" smtClean="0"/>
+              <a:t>(function </a:t>
+            </a:r>
+            <a:r>
+              <a:rPr lang="en-US" dirty="0"/>
+              <a:t>(</a:t>
+            </a:r>
+            <a:r>
+              <a:rPr lang="en-US" dirty="0" err="1"/>
+              <a:t>newValue</a:t>
+            </a:r>
+            <a:r>
+              <a:rPr lang="en-US" dirty="0"/>
+              <a:t>) {</a:t>
+            </a:r>
+          </a:p>
+          <a:p>
+            <a:pPr marL="0" indent="0">
+              <a:buNone/>
+            </a:pPr>
+            <a:endParaRPr lang="en-US" dirty="0"/>
+          </a:p>
+          <a:p>
+            <a:pPr marL="0" indent="0">
+              <a:buNone/>
+            </a:pPr>
+            <a:r>
+              <a:rPr lang="en-US" dirty="0"/>
+              <a:t>	if (</a:t>
+            </a:r>
+            <a:r>
+              <a:rPr lang="en-US" dirty="0" err="1"/>
+              <a:t>newValue</a:t>
+            </a:r>
+            <a:r>
+              <a:rPr lang="en-US" dirty="0"/>
+              <a:t>) {</a:t>
+            </a:r>
+          </a:p>
+          <a:p>
+            <a:pPr marL="0" indent="0">
+              <a:buNone/>
+            </a:pPr>
+            <a:endParaRPr lang="en-US" dirty="0"/>
+          </a:p>
+          <a:p>
+            <a:pPr marL="0" indent="0">
+              <a:buNone/>
+            </a:pPr>
+            <a:r>
+              <a:rPr lang="en-US" dirty="0"/>
+              <a:t>	</a:t>
+            </a:r>
+            <a:r>
+              <a:rPr lang="en-US" dirty="0" smtClean="0"/>
+              <a:t>	// do something</a:t>
+            </a:r>
+            <a:endParaRPr lang="en-US" dirty="0"/>
+          </a:p>
+          <a:p>
+            <a:pPr marL="0" indent="0">
+              <a:buNone/>
+            </a:pPr>
+            <a:r>
+              <a:rPr lang="en-US" dirty="0"/>
+              <a:t>	</a:t>
+            </a:r>
+            <a:r>
+              <a:rPr lang="en-US" dirty="0" smtClean="0"/>
+              <a:t>}</a:t>
+            </a:r>
+          </a:p>
+          <a:p>
+            <a:pPr marL="0" indent="0">
+              <a:buNone/>
+            </a:pPr>
+            <a:r>
+              <a:rPr lang="en-US" dirty="0" smtClean="0"/>
+              <a:t>});</a:t>
+            </a:r>
+            <a:endParaRPr lang="en-US" dirty="0"/>
           </a:p>
         </p:txBody>
       </p:sp>
     </p:spTree>
     <p:extLst>
       <p:ext uri="{BB962C8B-B14F-4D97-AF65-F5344CB8AC3E}">
-        <p14:creationId xmlns:p14="http://schemas.microsoft.com/office/powerpoint/2010/main" val="428182319"/>
+        <p14:creationId xmlns:p14="http://schemas.microsoft.com/office/powerpoint/2010/main" val="35874040"/>
       </p:ext>
     </p:extLst>
   </p:cSld>
@@ -13598,19 +13725,14 @@
         </p:nvSpPr>
         <p:spPr/>
         <p:txBody>
-          <a:bodyPr>
-            <a:normAutofit/>
-          </a:bodyPr>
+          <a:bodyPr/>
           <a:lstStyle/>
           <a:p>
             <a:r>
-              <a:rPr lang="en-US" sz="4000" dirty="0" smtClean="0"/>
-              <a:t>template selection can be </a:t>
-            </a:r>
-            <a:r>
-              <a:rPr lang="en-US" sz="4000" dirty="0"/>
-              <a:t>dynamic</a:t>
-            </a:r>
+              <a:rPr lang="en-US" dirty="0" smtClean="0"/>
+              <a:t>templates</a:t>
+            </a:r>
+            <a:endParaRPr lang="en-US" dirty="0"/>
           </a:p>
         </p:txBody>
       </p:sp>
@@ -13629,110 +13751,59 @@
           <a:bodyPr/>
           <a:lstStyle/>
           <a:p>
-            <a:pPr marL="0" indent="0">
-              <a:buNone/>
-            </a:pPr>
-            <a:r>
-              <a:rPr lang="en-US" dirty="0"/>
-              <a:t>&lt;div data-bind="template</a:t>
-            </a:r>
             <a:r>
               <a:rPr lang="en-US" dirty="0" smtClean="0"/>
-              <a:t>: {</a:t>
-            </a:r>
-          </a:p>
-          <a:p>
-            <a:pPr marL="0" indent="0">
-              <a:buNone/>
-            </a:pPr>
-            <a:r>
-              <a:rPr lang="en-US" dirty="0"/>
-              <a:t>	</a:t>
-            </a:r>
+              <a:t>Can be nested</a:t>
+            </a:r>
+          </a:p>
+          <a:p>
             <a:r>
               <a:rPr lang="en-US" dirty="0" smtClean="0"/>
-              <a:t>name</a:t>
-            </a:r>
-            <a:r>
-              <a:rPr lang="en-US" dirty="0"/>
-              <a:t>: function() </a:t>
+              <a:t>KO renders whole template with ${ </a:t>
+            </a:r>
+            <a:r>
+              <a:rPr lang="en-US" dirty="0" err="1" smtClean="0"/>
+              <a:t>val</a:t>
             </a:r>
             <a:r>
               <a:rPr lang="en-US" dirty="0" smtClean="0"/>
-              <a:t>{</a:t>
-            </a:r>
-          </a:p>
-          <a:p>
-            <a:pPr marL="0" indent="0">
-              <a:buNone/>
-            </a:pPr>
-            <a:r>
-              <a:rPr lang="en-US" dirty="0"/>
-              <a:t>	</a:t>
-            </a:r>
+              <a:t> }</a:t>
+            </a:r>
+          </a:p>
+          <a:p>
+            <a:r>
+              <a:rPr lang="en-US" dirty="0" err="1" smtClean="0"/>
+              <a:t>foreach</a:t>
+            </a:r>
+            <a:endParaRPr lang="en-US" dirty="0" smtClean="0"/>
+          </a:p>
+          <a:p>
+            <a:r>
+              <a:rPr lang="en-US" dirty="0" err="1" smtClean="0"/>
+              <a:t>afterRender</a:t>
+            </a:r>
+            <a:endParaRPr lang="en-US" dirty="0" smtClean="0"/>
+          </a:p>
+          <a:p>
+            <a:r>
+              <a:rPr lang="en-US" dirty="0" err="1" smtClean="0"/>
+              <a:t>templateOptions</a:t>
+            </a:r>
+            <a:endParaRPr lang="en-US" dirty="0" smtClean="0"/>
+          </a:p>
+          <a:p>
+            <a:pPr lvl="1"/>
             <a:r>
               <a:rPr lang="en-US" dirty="0" smtClean="0"/>
-              <a:t>	return </a:t>
-            </a:r>
-            <a:r>
-              <a:rPr lang="en-US" dirty="0" err="1"/>
-              <a:t>selectedView</a:t>
-            </a:r>
+              <a:t>Provide additional data</a:t>
+            </a:r>
+          </a:p>
+          <a:p>
             <a:r>
               <a:rPr lang="en-US" dirty="0" smtClean="0"/>
-              <a:t>();</a:t>
-            </a:r>
-          </a:p>
-          <a:p>
-            <a:pPr marL="0" indent="0">
-              <a:buNone/>
-            </a:pPr>
-            <a:r>
-              <a:rPr lang="en-US" dirty="0"/>
-              <a:t>	</a:t>
-            </a:r>
-            <a:r>
-              <a:rPr lang="en-US" dirty="0" smtClean="0"/>
-              <a:t> },</a:t>
-            </a:r>
-          </a:p>
-          <a:p>
-            <a:pPr marL="0" indent="0">
-              <a:buNone/>
-            </a:pPr>
-            <a:r>
-              <a:rPr lang="en-US" dirty="0"/>
-              <a:t>	</a:t>
-            </a:r>
-            <a:r>
-              <a:rPr lang="en-US" dirty="0" smtClean="0"/>
-              <a:t> </a:t>
-            </a:r>
-            <a:r>
-              <a:rPr lang="en-US" dirty="0" err="1"/>
-              <a:t>foreach</a:t>
-            </a:r>
-            <a:r>
-              <a:rPr lang="en-US" dirty="0"/>
-              <a:t>: </a:t>
-            </a:r>
-            <a:r>
-              <a:rPr lang="en-US" dirty="0" smtClean="0"/>
-              <a:t>articles</a:t>
-            </a:r>
-          </a:p>
-          <a:p>
-            <a:pPr marL="0" indent="0">
-              <a:buNone/>
-            </a:pPr>
-            <a:r>
-              <a:rPr lang="en-US" dirty="0" smtClean="0"/>
-              <a:t>}"&gt;&lt;/</a:t>
-            </a:r>
-            <a:r>
-              <a:rPr lang="en-US" dirty="0"/>
-              <a:t>div&gt;</a:t>
-            </a:r>
+              <a:t>Can use a custom template engine</a:t>
+            </a:r>
+            <a:endParaRPr lang="en-US" dirty="0"/>
           </a:p>
         </p:txBody>
       </p:sp>
@@ -13765,15 +13836,32 @@
                   </a:schemeClr>
                 </a:solidFill>
               </a:rPr>
-              <a:t>http://www.knockmeout.net/2011/06/10-things-to-know-about-knockoutjs-on.html</a:t>
-            </a:r>
+              <a:t>http://</a:t>
+            </a:r>
+            <a:r>
+              <a:rPr lang="en-US" dirty="0" smtClean="0">
+                <a:solidFill>
+                  <a:schemeClr val="bg1">
+                    <a:lumMod val="65000"/>
+                  </a:schemeClr>
+                </a:solidFill>
+              </a:rPr>
+              <a:t>knockoutjs.com/documentation/template-binding.html</a:t>
+            </a:r>
+            <a:endParaRPr lang="en-US" dirty="0">
+              <a:solidFill>
+                <a:schemeClr val="bg1">
+                  <a:lumMod val="65000"/>
+                </a:schemeClr>
+              </a:solidFill>
+            </a:endParaRPr>
           </a:p>
         </p:txBody>
       </p:sp>
     </p:spTree>
     <p:extLst>
       <p:ext uri="{BB962C8B-B14F-4D97-AF65-F5344CB8AC3E}">
-        <p14:creationId xmlns:p14="http://schemas.microsoft.com/office/powerpoint/2010/main" val="94211461"/>
+        <p14:creationId xmlns:p14="http://schemas.microsoft.com/office/powerpoint/2010/main" val="428182319"/>
       </p:ext>
     </p:extLst>
   </p:cSld>
@@ -13823,19 +13911,18 @@
         <p:spPr/>
         <p:txBody>
           <a:bodyPr>
-            <a:normAutofit fontScale="90000"/>
+            <a:normAutofit/>
           </a:bodyPr>
           <a:lstStyle/>
           <a:p>
             <a:r>
-              <a:rPr lang="en-US" dirty="0" smtClean="0"/>
-              <a:t>read/write </a:t>
-            </a:r>
-            <a:r>
-              <a:rPr lang="en-US" dirty="0" err="1" smtClean="0"/>
-              <a:t>dependentObservable</a:t>
-            </a:r>
-            <a:endParaRPr lang="en-US" dirty="0"/>
+              <a:rPr lang="en-US" sz="4000" dirty="0" smtClean="0"/>
+              <a:t>template selection can be </a:t>
+            </a:r>
+            <a:r>
+              <a:rPr lang="en-US" sz="4000" dirty="0"/>
+              <a:t>dynamic</a:t>
+            </a:r>
           </a:p>
         </p:txBody>
       </p:sp>
@@ -13851,39 +13938,40 @@
         </p:nvSpPr>
         <p:spPr/>
         <p:txBody>
-          <a:bodyPr>
-            <a:normAutofit lnSpcReduction="10000"/>
-          </a:bodyPr>
+          <a:bodyPr/>
           <a:lstStyle/>
           <a:p>
             <a:pPr marL="0" indent="0">
               <a:buNone/>
             </a:pPr>
             <a:r>
+              <a:rPr lang="en-US" dirty="0"/>
+              <a:t>&lt;div data-bind="template</a:t>
+            </a:r>
+            <a:r>
               <a:rPr lang="en-US" dirty="0" smtClean="0"/>
-              <a:t>viewModel.name </a:t>
-            </a:r>
-            <a:r>
-              <a:rPr lang="en-US" dirty="0"/>
-              <a:t>= </a:t>
-            </a:r>
-            <a:endParaRPr lang="en-US" dirty="0" smtClean="0"/>
+              <a:t>: {</a:t>
+            </a:r>
           </a:p>
           <a:p>
             <a:pPr marL="0" indent="0">
               <a:buNone/>
             </a:pPr>
             <a:r>
+              <a:rPr lang="en-US" dirty="0"/>
+              <a:t>	</a:t>
+            </a:r>
+            <a:r>
               <a:rPr lang="en-US" dirty="0" smtClean="0"/>
-              <a:t>	</a:t>
-            </a:r>
-            <a:r>
-              <a:rPr lang="en-US" dirty="0" err="1" smtClean="0"/>
-              <a:t>ko.dependentObservable</a:t>
+              <a:t>name</a:t>
             </a:r>
             <a:r>
               <a:rPr lang="en-US" dirty="0"/>
-              <a:t>({</a:t>
+              <a:t>: function() </a:t>
+            </a:r>
+            <a:r>
+              <a:rPr lang="en-US" dirty="0" smtClean="0"/>
+              <a:t>{</a:t>
             </a:r>
           </a:p>
           <a:p>
@@ -13891,26 +13979,33 @@
               <a:buNone/>
             </a:pPr>
             <a:r>
+              <a:rPr lang="en-US" dirty="0"/>
+              <a:t>	</a:t>
+            </a:r>
+            <a:r>
               <a:rPr lang="en-US" dirty="0" smtClean="0"/>
-              <a:t>	    </a:t>
-            </a:r>
-            <a:r>
-              <a:rPr lang="en-US" dirty="0"/>
-              <a:t>read: function() </a:t>
+              <a:t>	return </a:t>
+            </a:r>
+            <a:r>
+              <a:rPr lang="en-US" dirty="0" err="1"/>
+              <a:t>selectedView</a:t>
             </a:r>
             <a:r>
               <a:rPr lang="en-US" dirty="0" smtClean="0"/>
-              <a:t>{},</a:t>
-            </a:r>
-            <a:endParaRPr lang="en-US" dirty="0"/>
+              <a:t>();</a:t>
+            </a:r>
           </a:p>
           <a:p>
             <a:pPr marL="0" indent="0">
               <a:buNone/>
             </a:pPr>
             <a:r>
+              <a:rPr lang="en-US" dirty="0"/>
+              <a:t>	</a:t>
+            </a:r>
+            <a:r>
               <a:rPr lang="en-US" dirty="0" smtClean="0"/>
-              <a:t>	    write: function(){},</a:t>
+              <a:t> },</a:t>
             </a:r>
           </a:p>
           <a:p>
@@ -13919,13 +14014,24 @@
             </a:pPr>
             <a:r>
               <a:rPr lang="en-US" dirty="0"/>
-              <a:t>	 </a:t>
+              <a:t>	</a:t>
             </a:r>
             <a:r>
               <a:rPr lang="en-US" dirty="0" smtClean="0"/>
-              <a:t>   owner: this</a:t>
-            </a:r>
-            <a:endParaRPr lang="en-US" dirty="0"/>
+              <a:t> </a:t>
+            </a:r>
+            <a:r>
+              <a:rPr lang="en-US" dirty="0" err="1"/>
+              <a:t>foreach</a:t>
+            </a:r>
+            <a:r>
+              <a:rPr lang="en-US" dirty="0"/>
+              <a:t>: </a:t>
+            </a:r>
+            <a:r>
+              <a:rPr lang="en-US" dirty="0" smtClean="0"/>
+              <a:t>articles</a:t>
+            </a:r>
           </a:p>
           <a:p>
             <a:pPr marL="0" indent="0">
@@ -13933,31 +14039,53 @@
             </a:pPr>
             <a:r>
               <a:rPr lang="en-US" dirty="0" smtClean="0"/>
-              <a:t>	});</a:t>
-            </a:r>
-          </a:p>
-          <a:p>
-            <a:pPr marL="0" indent="0">
-              <a:buNone/>
-            </a:pPr>
-            <a:endParaRPr lang="en-US" dirty="0" smtClean="0"/>
-          </a:p>
-          <a:p>
-            <a:pPr marL="0" indent="0">
-              <a:buNone/>
-            </a:pPr>
-            <a:r>
-              <a:rPr lang="en-US" dirty="0" smtClean="0"/>
-              <a:t>owner: this === .bind(this)</a:t>
-            </a:r>
-            <a:endParaRPr lang="en-US" dirty="0"/>
+              <a:t>}"&gt;&lt;/</a:t>
+            </a:r>
+            <a:r>
+              <a:rPr lang="en-US" dirty="0"/>
+              <a:t>div&gt;</a:t>
+            </a:r>
+          </a:p>
+        </p:txBody>
+      </p:sp>
+      <p:sp>
+        <p:nvSpPr>
+          <p:cNvPr id="4" name="Rectangle 3"/>
+          <p:cNvSpPr/>
+          <p:nvPr/>
+        </p:nvSpPr>
+        <p:spPr>
+          <a:xfrm>
+            <a:off x="304800" y="6412468"/>
+            <a:ext cx="8610600" cy="369332"/>
+          </a:xfrm>
+          <a:prstGeom prst="rect">
+            <a:avLst/>
+          </a:prstGeom>
+        </p:spPr>
+        <p:txBody>
+          <a:bodyPr wrap="square">
+            <a:spAutoFit/>
+          </a:bodyPr>
+          <a:lstStyle/>
+          <a:p>
+            <a:r>
+              <a:rPr lang="en-US" dirty="0">
+                <a:solidFill>
+                  <a:schemeClr val="bg1">
+                    <a:lumMod val="65000"/>
+                  </a:schemeClr>
+                </a:solidFill>
+              </a:rPr>
+              <a:t>http://www.knockmeout.net/2011/06/10-things-to-know-about-knockoutjs-on.html</a:t>
+            </a:r>
           </a:p>
         </p:txBody>
       </p:sp>
     </p:spTree>
     <p:extLst>
       <p:ext uri="{BB962C8B-B14F-4D97-AF65-F5344CB8AC3E}">
-        <p14:creationId xmlns:p14="http://schemas.microsoft.com/office/powerpoint/2010/main" val="1241537181"/>
+        <p14:creationId xmlns:p14="http://schemas.microsoft.com/office/powerpoint/2010/main" val="94211461"/>
       </p:ext>
     </p:extLst>
   </p:cSld>
